--- a/packaging-short.pptx
+++ b/packaging-short.pptx
@@ -6487,7 +6487,7 @@
         </p:nvSpPr>
         <p:spPr>
           <a:xfrm>
-            <a:off x="77860" y="2327674"/>
+            <a:off x="77860" y="2266130"/>
             <a:ext cx="5643820" cy="2585323"/>
           </a:xfrm>
           <a:prstGeom prst="rect">
@@ -6883,7 +6883,7 @@
         </p:nvSpPr>
         <p:spPr>
           <a:xfrm>
-            <a:off x="453256" y="1139242"/>
+            <a:off x="453256" y="1077698"/>
             <a:ext cx="11369809" cy="1605876"/>
           </a:xfrm>
         </p:spPr>
@@ -6923,7 +6923,7 @@
         </p:nvSpPr>
         <p:spPr bwMode="auto">
           <a:xfrm>
-            <a:off x="5685234" y="4827330"/>
+            <a:off x="5685234" y="4765786"/>
             <a:ext cx="2613991" cy="610997"/>
           </a:xfrm>
           <a:prstGeom prst="rect">
@@ -7153,7 +7153,7 @@
         </p:nvSpPr>
         <p:spPr bwMode="auto">
           <a:xfrm>
-            <a:off x="5698488" y="3184567"/>
+            <a:off x="5698488" y="3123023"/>
             <a:ext cx="3157329" cy="610997"/>
           </a:xfrm>
           <a:prstGeom prst="rect">
@@ -7383,7 +7383,7 @@
         </p:nvSpPr>
         <p:spPr bwMode="auto">
           <a:xfrm>
-            <a:off x="5721680" y="1541874"/>
+            <a:off x="5721680" y="1480330"/>
             <a:ext cx="2421836" cy="511768"/>
           </a:xfrm>
           <a:prstGeom prst="rect">
@@ -7611,7 +7611,7 @@
         </p:nvSpPr>
         <p:spPr>
           <a:xfrm>
-            <a:off x="6992230" y="1921077"/>
+            <a:off x="6992230" y="1859533"/>
             <a:ext cx="4545634" cy="1200329"/>
           </a:xfrm>
           <a:prstGeom prst="rect">
@@ -7705,7 +7705,7 @@
         </p:nvSpPr>
         <p:spPr>
           <a:xfrm>
-            <a:off x="6992230" y="3526953"/>
+            <a:off x="6992230" y="3465409"/>
             <a:ext cx="4545634" cy="1200329"/>
           </a:xfrm>
           <a:prstGeom prst="rect">
@@ -7868,7 +7868,7 @@
         </p:nvSpPr>
         <p:spPr>
           <a:xfrm>
-            <a:off x="6992229" y="5203619"/>
+            <a:off x="6992229" y="5142075"/>
             <a:ext cx="4545634" cy="923330"/>
           </a:xfrm>
           <a:prstGeom prst="rect">
@@ -7993,7 +7993,7 @@
         </p:nvSpPr>
         <p:spPr>
           <a:xfrm>
-            <a:off x="1033669" y="5082817"/>
+            <a:off x="1033669" y="5021273"/>
             <a:ext cx="5060743" cy="1514261"/>
           </a:xfrm>
           <a:prstGeom prst="rect">
@@ -8125,7 +8125,7 @@
         </p:nvSpPr>
         <p:spPr>
           <a:xfrm>
-            <a:off x="365760" y="868680"/>
+            <a:off x="365760" y="1053317"/>
             <a:ext cx="11369809" cy="5529943"/>
           </a:xfrm>
         </p:spPr>
@@ -8139,7 +8139,11 @@
             </a:r>
           </a:p>
           <a:p>
-            <a:pPr lvl="1"/>
+            <a:pPr lvl="1">
+              <a:spcBef>
+                <a:spcPts val="200"/>
+              </a:spcBef>
+            </a:pPr>
             <a:r>
               <a:rPr lang="en-US" dirty="0"/>
               <a:t>Maintain a "</a:t>
@@ -8154,7 +8158,11 @@
             </a:r>
           </a:p>
           <a:p>
-            <a:pPr lvl="1"/>
+            <a:pPr lvl="1">
+              <a:spcBef>
+                <a:spcPts val="200"/>
+              </a:spcBef>
+            </a:pPr>
             <a:r>
               <a:rPr lang="en-US" dirty="0"/>
               <a:t>Install all packages you build up into a common "/</a:t>
@@ -8169,7 +8177,11 @@
             </a:r>
           </a:p>
           <a:p>
-            <a:pPr lvl="1"/>
+            <a:pPr lvl="1">
+              <a:spcBef>
+                <a:spcPts val="200"/>
+              </a:spcBef>
+            </a:pPr>
             <a:r>
               <a:rPr lang="en-US" dirty="0"/>
               <a:t>Do development there, but be aware that env changes machine to machine</a:t>
@@ -8182,24 +8194,36 @@
             </a:r>
           </a:p>
           <a:p>
-            <a:pPr lvl="1"/>
+            <a:pPr lvl="1">
+              <a:spcBef>
+                <a:spcPts val="200"/>
+              </a:spcBef>
+            </a:pPr>
             <a:r>
               <a:rPr lang="en-US" dirty="0"/>
-              <a:t>Create a poetry project to use for its virtual environment.</a:t>
-            </a:r>
-          </a:p>
-          <a:p>
-            <a:pPr lvl="2"/>
+              <a:t>Create a poetry project to use for its virtual environment</a:t>
+            </a:r>
+          </a:p>
+          <a:p>
+            <a:pPr lvl="2">
+              <a:spcBef>
+                <a:spcPts val="200"/>
+              </a:spcBef>
+            </a:pPr>
             <a:r>
               <a:rPr lang="en-US" dirty="0"/>
               <a:t>cd &lt;project&gt;; poetry shell</a:t>
             </a:r>
           </a:p>
           <a:p>
-            <a:pPr lvl="1"/>
+            <a:pPr lvl="1">
+              <a:spcBef>
+                <a:spcPts val="200"/>
+              </a:spcBef>
+            </a:pPr>
             <a:r>
               <a:rPr lang="en-US" dirty="0"/>
-              <a:t>Keep working scripts / gist-s there.</a:t>
+              <a:t>Keep working scripts / gist-s there</a:t>
             </a:r>
           </a:p>
           <a:p>
@@ -8213,7 +8237,11 @@
             </a:r>
           </a:p>
           <a:p>
-            <a:pPr lvl="1"/>
+            <a:pPr lvl="1">
+              <a:spcBef>
+                <a:spcPts val="200"/>
+              </a:spcBef>
+            </a:pPr>
             <a:r>
               <a:rPr lang="en-US" dirty="0"/>
               <a:t>Create a </a:t>
@@ -8260,7 +8288,11 @@
             </a:r>
           </a:p>
           <a:p>
-            <a:pPr lvl="1"/>
+            <a:pPr lvl="1">
+              <a:spcBef>
+                <a:spcPts val="200"/>
+              </a:spcBef>
+            </a:pPr>
             <a:r>
               <a:rPr lang="en-US" dirty="0"/>
               <a:t>Note also: </a:t>
@@ -8275,10 +8307,14 @@
             </a:r>
           </a:p>
           <a:p>
-            <a:pPr lvl="1"/>
+            <a:pPr lvl="1">
+              <a:spcBef>
+                <a:spcPts val="200"/>
+              </a:spcBef>
+            </a:pPr>
             <a:r>
               <a:rPr lang="en-US" dirty="0"/>
-              <a:t>These will load up the environment variables for accessing your installed software.</a:t>
+              <a:t>These will load up the environment variables for accessing your installed software</a:t>
             </a:r>
           </a:p>
           <a:p>
@@ -9343,25 +9379,36 @@
           <a:p>
             <a:pPr lvl="1"/>
             <a:r>
-              <a:rPr lang="en-US" sz="1800" dirty="0"/>
+              <a:rPr lang="en-US" sz="1800" dirty="0">
+                <a:hlinkClick r:id="rId4"/>
+              </a:rPr>
               <a:t>https://</a:t>
             </a:r>
             <a:r>
-              <a:rPr lang="en-US" sz="1800" dirty="0" err="1"/>
+              <a:rPr lang="en-US" sz="1800" dirty="0" err="1">
+                <a:hlinkClick r:id="rId4"/>
+              </a:rPr>
               <a:t>cmake.org</a:t>
             </a:r>
             <a:r>
-              <a:rPr lang="en-US" sz="1800" dirty="0"/>
+              <a:rPr lang="en-US" sz="1800" dirty="0">
+                <a:hlinkClick r:id="rId4"/>
+              </a:rPr>
               <a:t>/</a:t>
             </a:r>
             <a:r>
-              <a:rPr lang="en-US" sz="1800" dirty="0" err="1"/>
+              <a:rPr lang="en-US" sz="1800" dirty="0" err="1">
+                <a:hlinkClick r:id="rId4"/>
+              </a:rPr>
               <a:t>cmake</a:t>
             </a:r>
             <a:r>
-              <a:rPr lang="en-US" sz="1800" dirty="0"/>
+              <a:rPr lang="en-US" sz="1800" dirty="0">
+                <a:hlinkClick r:id="rId4"/>
+              </a:rPr>
               <a:t>/help/git-stage/manual/cmake-packages.7.html#creating-packages</a:t>
             </a:r>
+            <a:endParaRPr lang="en-US" sz="1800" dirty="0"/>
           </a:p>
         </p:txBody>
       </p:sp>
@@ -15733,8 +15780,8 @@
         </p:nvSpPr>
         <p:spPr>
           <a:xfrm>
-            <a:off x="675393" y="5844669"/>
-            <a:ext cx="11254633" cy="646331"/>
+            <a:off x="675393" y="5668825"/>
+            <a:ext cx="7431115" cy="830997"/>
           </a:xfrm>
           <a:prstGeom prst="rect">
             <a:avLst/>
@@ -15748,55 +15795,78 @@
           <a:lstStyle/>
           <a:p>
             <a:r>
-              <a:rPr lang="en-US" sz="1200" dirty="0"/>
+              <a:rPr lang="en-US" sz="1600" dirty="0">
+                <a:hlinkClick r:id="rId2"/>
+              </a:rPr>
               <a:t>https://</a:t>
             </a:r>
             <a:r>
-              <a:rPr lang="en-US" sz="1200" dirty="0" err="1"/>
+              <a:rPr lang="en-US" sz="1600" dirty="0" err="1">
+                <a:hlinkClick r:id="rId2"/>
+              </a:rPr>
               <a:t>fastapi.tiangolo.com</a:t>
             </a:r>
             <a:r>
-              <a:rPr lang="en-US" sz="1200" dirty="0"/>
+              <a:rPr lang="en-US" sz="1600" dirty="0">
+                <a:hlinkClick r:id="rId2"/>
+              </a:rPr>
               <a:t>/deployment/docker/#build-a-docker-image-for-</a:t>
             </a:r>
             <a:r>
-              <a:rPr lang="en-US" sz="1200" dirty="0" err="1"/>
+              <a:rPr lang="en-US" sz="1600" dirty="0" err="1">
+                <a:hlinkClick r:id="rId2"/>
+              </a:rPr>
               <a:t>fastapi</a:t>
             </a:r>
-            <a:endParaRPr lang="en-US" sz="1200" dirty="0"/>
-          </a:p>
-          <a:p>
-            <a:r>
-              <a:rPr lang="en-US" sz="1200" dirty="0"/>
+            <a:endParaRPr lang="en-US" sz="1600" dirty="0"/>
+          </a:p>
+          <a:p>
+            <a:r>
+              <a:rPr lang="en-US" sz="1600" dirty="0">
+                <a:hlinkClick r:id="rId3"/>
+              </a:rPr>
               <a:t>https://</a:t>
             </a:r>
             <a:r>
-              <a:rPr lang="en-US" sz="1200" dirty="0" err="1"/>
+              <a:rPr lang="en-US" sz="1600" dirty="0" err="1">
+                <a:hlinkClick r:id="rId3"/>
+              </a:rPr>
               <a:t>supercontainers.github.io</a:t>
             </a:r>
             <a:r>
-              <a:rPr lang="en-US" sz="1200" dirty="0"/>
+              <a:rPr lang="en-US" sz="1600" dirty="0">
+                <a:hlinkClick r:id="rId3"/>
+              </a:rPr>
               <a:t>/sc20-tutorial/02.docker/</a:t>
             </a:r>
             <a:r>
-              <a:rPr lang="en-US" sz="1200" dirty="0" err="1"/>
+              <a:rPr lang="en-US" sz="1600" dirty="0" err="1">
+                <a:hlinkClick r:id="rId3"/>
+              </a:rPr>
               <a:t>index.html</a:t>
             </a:r>
-            <a:endParaRPr lang="en-US" sz="1200" dirty="0"/>
-          </a:p>
-          <a:p>
-            <a:r>
-              <a:rPr lang="en-US" sz="1200" dirty="0"/>
+            <a:endParaRPr lang="en-US" sz="1600" dirty="0"/>
+          </a:p>
+          <a:p>
+            <a:r>
+              <a:rPr lang="en-US" sz="1600" dirty="0">
+                <a:hlinkClick r:id="rId4"/>
+              </a:rPr>
               <a:t>https://</a:t>
             </a:r>
             <a:r>
-              <a:rPr lang="en-US" sz="1200" dirty="0" err="1"/>
+              <a:rPr lang="en-US" sz="1600" dirty="0" err="1">
+                <a:hlinkClick r:id="rId4"/>
+              </a:rPr>
               <a:t>cloud.sylabs.io</a:t>
             </a:r>
             <a:r>
-              <a:rPr lang="en-US" sz="1200" dirty="0"/>
+              <a:rPr lang="en-US" sz="1600" dirty="0">
+                <a:hlinkClick r:id="rId4"/>
+              </a:rPr>
               <a:t>/builder</a:t>
             </a:r>
+            <a:endParaRPr lang="en-US" sz="1600" dirty="0"/>
           </a:p>
         </p:txBody>
       </p:sp>
@@ -16875,8 +16945,8 @@
         </p:nvSpPr>
         <p:spPr>
           <a:xfrm>
-            <a:off x="4159828" y="5243217"/>
-            <a:ext cx="6629400" cy="861774"/>
+            <a:off x="4018085" y="5243217"/>
+            <a:ext cx="8053753" cy="646331"/>
           </a:xfrm>
           <a:prstGeom prst="rect">
             <a:avLst/>
@@ -16891,7 +16961,7 @@
           <a:p>
             <a:r>
               <a:rPr lang="en-US" dirty="0"/>
-              <a:t>New article on CI team practices:</a:t>
+              <a:t>Article on CI team practices:</a:t>
             </a:r>
           </a:p>
           <a:p>
@@ -16900,25 +16970,36 @@
           <a:p>
             <a:pPr lvl="1"/>
             <a:r>
-              <a:rPr lang="en-US" sz="1400" dirty="0"/>
+              <a:rPr lang="en-US" sz="1400" dirty="0">
+                <a:hlinkClick r:id="rId2"/>
+              </a:rPr>
               <a:t>https://</a:t>
             </a:r>
             <a:r>
-              <a:rPr lang="en-US" sz="1400" dirty="0" err="1"/>
+              <a:rPr lang="en-US" sz="1400" dirty="0" err="1">
+                <a:hlinkClick r:id="rId2"/>
+              </a:rPr>
               <a:t>bssw.io</a:t>
             </a:r>
             <a:r>
-              <a:rPr lang="en-US" sz="1400" dirty="0"/>
+              <a:rPr lang="en-US" sz="1400" dirty="0">
+                <a:hlinkClick r:id="rId2"/>
+              </a:rPr>
               <a:t>/</a:t>
             </a:r>
             <a:r>
-              <a:rPr lang="en-US" sz="1400" dirty="0" err="1"/>
+              <a:rPr lang="en-US" sz="1400" dirty="0" err="1">
+                <a:hlinkClick r:id="rId2"/>
+              </a:rPr>
               <a:t>blog_posts</a:t>
             </a:r>
             <a:r>
-              <a:rPr lang="en-US" sz="1400" dirty="0"/>
+              <a:rPr lang="en-US" sz="1400" dirty="0">
+                <a:hlinkClick r:id="rId2"/>
+              </a:rPr>
               <a:t>/bright-spots-team-experiences-implementing-continuous-integration</a:t>
             </a:r>
+            <a:endParaRPr lang="en-US" sz="1400" dirty="0"/>
           </a:p>
         </p:txBody>
       </p:sp>
@@ -18066,7 +18147,7 @@
         </p:nvSpPr>
         <p:spPr>
           <a:xfrm>
-            <a:off x="77860" y="2327674"/>
+            <a:off x="77860" y="2266130"/>
             <a:ext cx="5643820" cy="2585323"/>
           </a:xfrm>
           <a:prstGeom prst="rect">
@@ -18462,7 +18543,7 @@
         </p:nvSpPr>
         <p:spPr>
           <a:xfrm>
-            <a:off x="453256" y="1139242"/>
+            <a:off x="453256" y="1077698"/>
             <a:ext cx="11369809" cy="1605876"/>
           </a:xfrm>
         </p:spPr>
@@ -18502,7 +18583,7 @@
         </p:nvSpPr>
         <p:spPr bwMode="auto">
           <a:xfrm>
-            <a:off x="5685234" y="4827330"/>
+            <a:off x="5685234" y="4765786"/>
             <a:ext cx="2613991" cy="610997"/>
           </a:xfrm>
           <a:prstGeom prst="rect">
@@ -18732,7 +18813,7 @@
         </p:nvSpPr>
         <p:spPr bwMode="auto">
           <a:xfrm>
-            <a:off x="5698488" y="3184567"/>
+            <a:off x="5698488" y="3123023"/>
             <a:ext cx="3157329" cy="610997"/>
           </a:xfrm>
           <a:prstGeom prst="rect">
@@ -18962,7 +19043,7 @@
         </p:nvSpPr>
         <p:spPr bwMode="auto">
           <a:xfrm>
-            <a:off x="5721680" y="1541874"/>
+            <a:off x="5721680" y="1480330"/>
             <a:ext cx="2421836" cy="511768"/>
           </a:xfrm>
           <a:prstGeom prst="rect">
@@ -19190,7 +19271,7 @@
         </p:nvSpPr>
         <p:spPr>
           <a:xfrm>
-            <a:off x="6992230" y="1921077"/>
+            <a:off x="6992230" y="1859533"/>
             <a:ext cx="4545634" cy="1200329"/>
           </a:xfrm>
           <a:prstGeom prst="rect">
@@ -19284,7 +19365,7 @@
         </p:nvSpPr>
         <p:spPr>
           <a:xfrm>
-            <a:off x="6992230" y="3526953"/>
+            <a:off x="6992230" y="3465409"/>
             <a:ext cx="4545634" cy="1200329"/>
           </a:xfrm>
           <a:prstGeom prst="rect">
@@ -19447,7 +19528,7 @@
         </p:nvSpPr>
         <p:spPr>
           <a:xfrm>
-            <a:off x="6992229" y="5203619"/>
+            <a:off x="6992229" y="5142075"/>
             <a:ext cx="4545634" cy="923330"/>
           </a:xfrm>
           <a:prstGeom prst="rect">
@@ -19572,7 +19653,7 @@
         </p:nvSpPr>
         <p:spPr>
           <a:xfrm>
-            <a:off x="1033669" y="5082817"/>
+            <a:off x="1033669" y="5021273"/>
             <a:ext cx="5060743" cy="1514261"/>
           </a:xfrm>
           <a:prstGeom prst="rect">
@@ -31782,8 +31863,8 @@
         </p:nvSpPr>
         <p:spPr>
           <a:xfrm>
-            <a:off x="5697780" y="5698375"/>
-            <a:ext cx="7353201" cy="276999"/>
+            <a:off x="5178669" y="5698375"/>
+            <a:ext cx="6893169" cy="584775"/>
           </a:xfrm>
           <a:prstGeom prst="rect">
             <a:avLst/>
@@ -31796,30 +31877,42 @@
           <a:lstStyle/>
           <a:p>
             <a:r>
-              <a:rPr lang="en-US" sz="1200" dirty="0"/>
+              <a:rPr lang="en-US" sz="1600" dirty="0">
+                <a:hlinkClick r:id="rId2"/>
+              </a:rPr>
               <a:t>https://</a:t>
             </a:r>
             <a:r>
-              <a:rPr lang="en-US" sz="1200" dirty="0" err="1"/>
+              <a:rPr lang="en-US" sz="1600" dirty="0" err="1">
+                <a:hlinkClick r:id="rId2"/>
+              </a:rPr>
               <a:t>spack.readthedocs.io</a:t>
             </a:r>
             <a:r>
-              <a:rPr lang="en-US" sz="1200" dirty="0"/>
+              <a:rPr lang="en-US" sz="1600" dirty="0">
+                <a:hlinkClick r:id="rId2"/>
+              </a:rPr>
               <a:t>/</a:t>
             </a:r>
             <a:r>
-              <a:rPr lang="en-US" sz="1200" dirty="0" err="1"/>
+              <a:rPr lang="en-US" sz="1600" dirty="0" err="1">
+                <a:hlinkClick r:id="rId2"/>
+              </a:rPr>
               <a:t>en</a:t>
             </a:r>
             <a:r>
-              <a:rPr lang="en-US" sz="1200" dirty="0"/>
+              <a:rPr lang="en-US" sz="1600" dirty="0">
+                <a:hlinkClick r:id="rId2"/>
+              </a:rPr>
               <a:t>/latest/</a:t>
             </a:r>
             <a:r>
-              <a:rPr lang="en-US" sz="1200" dirty="0" err="1"/>
+              <a:rPr lang="en-US" sz="1600" dirty="0" err="1">
+                <a:hlinkClick r:id="rId2"/>
+              </a:rPr>
               <a:t>packaging_guide.html#dependency-specs</a:t>
             </a:r>
-            <a:endParaRPr lang="en-US" sz="1200" dirty="0"/>
+            <a:endParaRPr lang="en-US" sz="1600" dirty="0"/>
           </a:p>
         </p:txBody>
       </p:sp>
@@ -31838,7 +31931,7 @@
           <p:nvPr/>
         </p:nvPicPr>
         <p:blipFill>
-          <a:blip r:embed="rId2">
+          <a:blip r:embed="rId3">
             <a:extLst>
               <a:ext uri="{28A0092B-C50C-407E-A947-70E740481C1C}">
                 <a14:useLocalDpi xmlns:a14="http://schemas.microsoft.com/office/drawing/2010/main" val="0"/>
@@ -31874,7 +31967,7 @@
         <p:spPr>
           <a:xfrm>
             <a:off x="627679" y="3061811"/>
-            <a:ext cx="7353201" cy="276999"/>
+            <a:ext cx="9580190" cy="338554"/>
           </a:xfrm>
           <a:prstGeom prst="rect">
             <a:avLst/>
@@ -31887,54 +31980,78 @@
           <a:lstStyle/>
           <a:p>
             <a:r>
-              <a:rPr lang="en-US" sz="1200" dirty="0"/>
+              <a:rPr lang="en-US" sz="1600" dirty="0">
+                <a:hlinkClick r:id="rId4"/>
+              </a:rPr>
               <a:t>https://</a:t>
             </a:r>
             <a:r>
-              <a:rPr lang="en-US" sz="1200" dirty="0" err="1"/>
+              <a:rPr lang="en-US" sz="1600" dirty="0" err="1">
+                <a:hlinkClick r:id="rId4"/>
+              </a:rPr>
               <a:t>github.com</a:t>
             </a:r>
             <a:r>
-              <a:rPr lang="en-US" sz="1200" dirty="0"/>
+              <a:rPr lang="en-US" sz="1600" dirty="0">
+                <a:hlinkClick r:id="rId4"/>
+              </a:rPr>
               <a:t>/</a:t>
             </a:r>
             <a:r>
-              <a:rPr lang="en-US" sz="1200" dirty="0" err="1"/>
+              <a:rPr lang="en-US" sz="1600" dirty="0" err="1">
+                <a:hlinkClick r:id="rId4"/>
+              </a:rPr>
               <a:t>mpbelhorn</a:t>
             </a:r>
             <a:r>
-              <a:rPr lang="en-US" sz="1200" dirty="0"/>
+              <a:rPr lang="en-US" sz="1600" dirty="0">
+                <a:hlinkClick r:id="rId4"/>
+              </a:rPr>
               <a:t>/</a:t>
             </a:r>
             <a:r>
-              <a:rPr lang="en-US" sz="1200" dirty="0" err="1"/>
+              <a:rPr lang="en-US" sz="1600" dirty="0" err="1">
+                <a:hlinkClick r:id="rId4"/>
+              </a:rPr>
               <a:t>olcf</a:t>
             </a:r>
             <a:r>
-              <a:rPr lang="en-US" sz="1200" dirty="0"/>
+              <a:rPr lang="en-US" sz="1600" dirty="0">
+                <a:hlinkClick r:id="rId4"/>
+              </a:rPr>
               <a:t>-</a:t>
             </a:r>
             <a:r>
-              <a:rPr lang="en-US" sz="1200" dirty="0" err="1"/>
+              <a:rPr lang="en-US" sz="1600" dirty="0" err="1">
+                <a:hlinkClick r:id="rId4"/>
+              </a:rPr>
               <a:t>spack</a:t>
             </a:r>
             <a:r>
-              <a:rPr lang="en-US" sz="1200" dirty="0"/>
+              <a:rPr lang="en-US" sz="1600" dirty="0">
+                <a:hlinkClick r:id="rId4"/>
+              </a:rPr>
               <a:t>-environments/blob/develop/hosts/frontier/</a:t>
             </a:r>
             <a:r>
-              <a:rPr lang="en-US" sz="1200" dirty="0" err="1"/>
+              <a:rPr lang="en-US" sz="1600" dirty="0" err="1">
+                <a:hlinkClick r:id="rId4"/>
+              </a:rPr>
               <a:t>envs</a:t>
             </a:r>
             <a:r>
-              <a:rPr lang="en-US" sz="1200" dirty="0"/>
+              <a:rPr lang="en-US" sz="1600" dirty="0">
+                <a:hlinkClick r:id="rId4"/>
+              </a:rPr>
               <a:t>/base/</a:t>
             </a:r>
             <a:r>
-              <a:rPr lang="en-US" sz="1200" dirty="0" err="1"/>
+              <a:rPr lang="en-US" sz="1600" dirty="0" err="1">
+                <a:hlinkClick r:id="rId4"/>
+              </a:rPr>
               <a:t>spack.yaml</a:t>
             </a:r>
-            <a:endParaRPr lang="en-US" sz="1200" dirty="0"/>
+            <a:endParaRPr lang="en-US" sz="1600" dirty="0"/>
           </a:p>
         </p:txBody>
       </p:sp>
@@ -32124,7 +32241,7 @@
         <p:spPr>
           <a:xfrm>
             <a:off x="365760" y="6077188"/>
-            <a:ext cx="7567961" cy="646331"/>
+            <a:ext cx="7567961" cy="338554"/>
           </a:xfrm>
           <a:prstGeom prst="rect">
             <a:avLst/>
@@ -32137,30 +32254,42 @@
           <a:lstStyle/>
           <a:p>
             <a:r>
-              <a:rPr lang="en-US" dirty="0"/>
+              <a:rPr lang="en-US" sz="1600" dirty="0">
+                <a:hlinkClick r:id="rId2"/>
+              </a:rPr>
               <a:t>https://</a:t>
             </a:r>
             <a:r>
-              <a:rPr lang="en-US" dirty="0" err="1"/>
+              <a:rPr lang="en-US" sz="1600" dirty="0" err="1">
+                <a:hlinkClick r:id="rId2"/>
+              </a:rPr>
               <a:t>spack.readthedocs.io</a:t>
             </a:r>
             <a:r>
-              <a:rPr lang="en-US" dirty="0"/>
+              <a:rPr lang="en-US" sz="1600" dirty="0">
+                <a:hlinkClick r:id="rId2"/>
+              </a:rPr>
               <a:t>/</a:t>
             </a:r>
             <a:r>
-              <a:rPr lang="en-US" dirty="0" err="1"/>
+              <a:rPr lang="en-US" sz="1600" dirty="0" err="1">
+                <a:hlinkClick r:id="rId2"/>
+              </a:rPr>
               <a:t>en</a:t>
             </a:r>
             <a:r>
-              <a:rPr lang="en-US" dirty="0"/>
+              <a:rPr lang="en-US" sz="1600" dirty="0">
+                <a:hlinkClick r:id="rId2"/>
+              </a:rPr>
               <a:t>/latest/</a:t>
             </a:r>
             <a:r>
-              <a:rPr lang="en-US" dirty="0" err="1"/>
+              <a:rPr lang="en-US" sz="1600" dirty="0" err="1">
+                <a:hlinkClick r:id="rId2"/>
+              </a:rPr>
               <a:t>packaging_guide.html#dependency-specs</a:t>
             </a:r>
-            <a:endParaRPr lang="en-US" dirty="0"/>
+            <a:endParaRPr lang="en-US" sz="1600" dirty="0"/>
           </a:p>
         </p:txBody>
       </p:sp>
@@ -32747,27 +32876,39 @@
           <a:lstStyle/>
           <a:p>
             <a:r>
-              <a:rPr lang="en-US" dirty="0"/>
+              <a:rPr lang="en-US" dirty="0">
+                <a:hlinkClick r:id="rId5"/>
+              </a:rPr>
               <a:t>https://</a:t>
             </a:r>
             <a:r>
-              <a:rPr lang="en-US" dirty="0" err="1"/>
+              <a:rPr lang="en-US" dirty="0" err="1">
+                <a:hlinkClick r:id="rId5"/>
+              </a:rPr>
               <a:t>spack-tutorial.readthedocs.io</a:t>
             </a:r>
             <a:r>
-              <a:rPr lang="en-US" dirty="0"/>
+              <a:rPr lang="en-US" dirty="0">
+                <a:hlinkClick r:id="rId5"/>
+              </a:rPr>
               <a:t>/</a:t>
             </a:r>
             <a:r>
-              <a:rPr lang="en-US" dirty="0" err="1"/>
+              <a:rPr lang="en-US" dirty="0" err="1">
+                <a:hlinkClick r:id="rId5"/>
+              </a:rPr>
               <a:t>en</a:t>
             </a:r>
             <a:r>
-              <a:rPr lang="en-US" dirty="0"/>
+              <a:rPr lang="en-US" dirty="0">
+                <a:hlinkClick r:id="rId5"/>
+              </a:rPr>
               <a:t>/latest/</a:t>
             </a:r>
             <a:r>
-              <a:rPr lang="en-US" dirty="0" err="1"/>
+              <a:rPr lang="en-US" dirty="0" err="1">
+                <a:hlinkClick r:id="rId5"/>
+              </a:rPr>
               <a:t>tutorial_packaging.html</a:t>
             </a:r>
             <a:endParaRPr lang="en-US" dirty="0"/>
@@ -33081,27 +33222,39 @@
           </a:p>
           <a:p>
             <a:r>
-              <a:rPr lang="en-US" dirty="0"/>
+              <a:rPr lang="en-US" dirty="0">
+                <a:hlinkClick r:id="rId2"/>
+              </a:rPr>
               <a:t>https://</a:t>
             </a:r>
             <a:r>
-              <a:rPr lang="en-US" dirty="0" err="1"/>
+              <a:rPr lang="en-US" dirty="0" err="1">
+                <a:hlinkClick r:id="rId2"/>
+              </a:rPr>
               <a:t>spack.readthedocs.io</a:t>
             </a:r>
             <a:r>
-              <a:rPr lang="en-US" dirty="0"/>
+              <a:rPr lang="en-US" dirty="0">
+                <a:hlinkClick r:id="rId2"/>
+              </a:rPr>
               <a:t>/</a:t>
             </a:r>
             <a:r>
-              <a:rPr lang="en-US" dirty="0" err="1"/>
+              <a:rPr lang="en-US" dirty="0" err="1">
+                <a:hlinkClick r:id="rId2"/>
+              </a:rPr>
               <a:t>en</a:t>
             </a:r>
             <a:r>
-              <a:rPr lang="en-US" dirty="0"/>
+              <a:rPr lang="en-US" dirty="0">
+                <a:hlinkClick r:id="rId2"/>
+              </a:rPr>
               <a:t>/latest/</a:t>
             </a:r>
             <a:r>
-              <a:rPr lang="en-US" dirty="0" err="1"/>
+              <a:rPr lang="en-US" dirty="0" err="1">
+                <a:hlinkClick r:id="rId2"/>
+              </a:rPr>
               <a:t>spack.util.html#module-spack.util.prefix</a:t>
             </a:r>
             <a:endParaRPr lang="en-US" dirty="0"/>
@@ -33136,27 +33289,39 @@
           <a:lstStyle/>
           <a:p>
             <a:r>
-              <a:rPr lang="en-US" dirty="0"/>
+              <a:rPr lang="en-US" dirty="0">
+                <a:hlinkClick r:id="rId3"/>
+              </a:rPr>
               <a:t>https://</a:t>
             </a:r>
             <a:r>
-              <a:rPr lang="en-US" dirty="0" err="1"/>
+              <a:rPr lang="en-US" dirty="0" err="1">
+                <a:hlinkClick r:id="rId3"/>
+              </a:rPr>
               <a:t>spack.readthedocs.io</a:t>
             </a:r>
             <a:r>
-              <a:rPr lang="en-US" dirty="0"/>
+              <a:rPr lang="en-US" dirty="0">
+                <a:hlinkClick r:id="rId3"/>
+              </a:rPr>
               <a:t>/</a:t>
             </a:r>
             <a:r>
-              <a:rPr lang="en-US" dirty="0" err="1"/>
+              <a:rPr lang="en-US" dirty="0" err="1">
+                <a:hlinkClick r:id="rId3"/>
+              </a:rPr>
               <a:t>en</a:t>
             </a:r>
             <a:r>
-              <a:rPr lang="en-US" dirty="0"/>
+              <a:rPr lang="en-US" dirty="0">
+                <a:hlinkClick r:id="rId3"/>
+              </a:rPr>
               <a:t>/latest/</a:t>
             </a:r>
             <a:r>
-              <a:rPr lang="en-US" dirty="0" err="1"/>
+              <a:rPr lang="en-US" dirty="0" err="1">
+                <a:hlinkClick r:id="rId3"/>
+              </a:rPr>
               <a:t>packaging_guide.html#accessing-dependencies</a:t>
             </a:r>
             <a:endParaRPr lang="en-US" dirty="0"/>
@@ -33215,7 +33380,7 @@
         </p:blipFill>
         <p:spPr>
           <a:xfrm>
-            <a:off x="625741" y="584777"/>
+            <a:off x="1030184" y="1050763"/>
             <a:ext cx="8328253" cy="5726803"/>
           </a:xfrm>
           <a:prstGeom prst="rect">
@@ -33270,7 +33435,7 @@
         </p:nvSpPr>
         <p:spPr>
           <a:xfrm>
-            <a:off x="4144488" y="5322856"/>
+            <a:off x="4548931" y="5788842"/>
             <a:ext cx="971035" cy="433965"/>
           </a:xfrm>
           <a:prstGeom prst="rect">
@@ -36175,12 +36340,12 @@
           <a:p>
             <a:pPr lvl="1"/>
             <a:r>
-              <a:rPr lang="en-US" sz="1800" dirty="0">
+              <a:rPr lang="en-US" sz="1600" dirty="0">
                 <a:hlinkClick r:id="rId3"/>
               </a:rPr>
               <a:t>https://scikit-build.readthedocs.io</a:t>
             </a:r>
-            <a:endParaRPr lang="en-US" sz="1800" dirty="0"/>
+            <a:endParaRPr lang="en-US" sz="1600" dirty="0"/>
           </a:p>
         </p:txBody>
       </p:sp>
@@ -37072,12 +37237,12 @@
           <a:p>
             <a:pPr lvl="1"/>
             <a:r>
-              <a:rPr lang="en-US" sz="1800" dirty="0">
+              <a:rPr lang="en-US" sz="1600" dirty="0">
                 <a:hlinkClick r:id="rId3"/>
               </a:rPr>
               <a:t>https://scikit-build.readthedocs.io</a:t>
             </a:r>
-            <a:endParaRPr lang="en-US" sz="1800" dirty="0"/>
+            <a:endParaRPr lang="en-US" sz="1600" dirty="0"/>
           </a:p>
         </p:txBody>
       </p:sp>
@@ -37895,7 +38060,7 @@
         </p:nvSpPr>
         <p:spPr>
           <a:xfrm>
-            <a:off x="5689601" y="152827"/>
+            <a:off x="6489701" y="194392"/>
             <a:ext cx="5537200" cy="609173"/>
           </a:xfrm>
         </p:spPr>
@@ -37903,26 +38068,40 @@
           <a:bodyPr/>
           <a:lstStyle/>
           <a:p>
-            <a:r>
-              <a:rPr lang="en-US" dirty="0"/>
+            <a:pPr marL="0" indent="0">
+              <a:buNone/>
+            </a:pPr>
+            <a:r>
+              <a:rPr lang="en-US" dirty="0">
+                <a:hlinkClick r:id="rId2"/>
+              </a:rPr>
               <a:t>https://</a:t>
             </a:r>
             <a:r>
-              <a:rPr lang="en-US" dirty="0" err="1"/>
+              <a:rPr lang="en-US" dirty="0" err="1">
+                <a:hlinkClick r:id="rId2"/>
+              </a:rPr>
               <a:t>github.com</a:t>
             </a:r>
             <a:r>
-              <a:rPr lang="en-US" dirty="0"/>
+              <a:rPr lang="en-US" dirty="0">
+                <a:hlinkClick r:id="rId2"/>
+              </a:rPr>
               <a:t>/ECP-</a:t>
             </a:r>
             <a:r>
-              <a:rPr lang="en-US" dirty="0" err="1"/>
+              <a:rPr lang="en-US" dirty="0" err="1">
+                <a:hlinkClick r:id="rId2"/>
+              </a:rPr>
               <a:t>copa</a:t>
             </a:r>
             <a:r>
-              <a:rPr lang="en-US" dirty="0"/>
+              <a:rPr lang="en-US" dirty="0">
+                <a:hlinkClick r:id="rId2"/>
+              </a:rPr>
               <a:t>/Cabana</a:t>
             </a:r>
+            <a:endParaRPr lang="en-US" dirty="0"/>
           </a:p>
         </p:txBody>
       </p:sp>
@@ -39570,10 +39749,244 @@
       </p:sp>
       <p:sp>
         <p:nvSpPr>
-          <p:cNvPr id="5" name="Content Placeholder 4">
+          <p:cNvPr id="3" name="Content Placeholder 4">
             <a:extLst>
               <a:ext uri="{FF2B5EF4-FFF2-40B4-BE49-F238E27FC236}">
-                <a16:creationId xmlns:a16="http://schemas.microsoft.com/office/drawing/2014/main" id="{3848EB5C-C75A-9B40-B7DE-EF0BD73550EB}"/>
+                <a16:creationId xmlns:a16="http://schemas.microsoft.com/office/drawing/2014/main" id="{9E368384-F9A0-CDC3-B4AE-FF846E70C019}"/>
+              </a:ext>
+            </a:extLst>
+          </p:cNvPr>
+          <p:cNvSpPr txBox="1">
+            <a:spLocks/>
+          </p:cNvSpPr>
+          <p:nvPr/>
+        </p:nvSpPr>
+        <p:spPr bwMode="auto">
+          <a:xfrm>
+            <a:off x="6489701" y="194392"/>
+            <a:ext cx="5537200" cy="609173"/>
+          </a:xfrm>
+          <a:prstGeom prst="rect">
+            <a:avLst/>
+          </a:prstGeom>
+          <a:noFill/>
+          <a:ln w="9525">
+            <a:noFill/>
+            <a:miter lim="800000"/>
+            <a:headEnd/>
+            <a:tailEnd/>
+          </a:ln>
+        </p:spPr>
+        <p:txBody>
+          <a:bodyPr vert="horz" wrap="square" lIns="91440" tIns="45720" rIns="91440" bIns="45720" numCol="1" anchor="t" anchorCtr="0" compatLnSpc="1">
+            <a:prstTxWarp prst="textNoShape">
+              <a:avLst/>
+            </a:prstTxWarp>
+            <a:noAutofit/>
+          </a:bodyPr>
+          <a:lstStyle>
+            <a:lvl1pPr marL="230188" indent="-230188" algn="l" rtl="0" eaLnBrk="1" fontAlgn="base" hangingPunct="1">
+              <a:lnSpc>
+                <a:spcPct val="90000"/>
+              </a:lnSpc>
+              <a:spcBef>
+                <a:spcPts val="1400"/>
+              </a:spcBef>
+              <a:spcAft>
+                <a:spcPct val="0"/>
+              </a:spcAft>
+              <a:buClr>
+                <a:schemeClr val="tx1"/>
+              </a:buClr>
+              <a:buFont typeface="Arial" charset="0"/>
+              <a:buChar char="•"/>
+              <a:defRPr sz="2400" kern="1200">
+                <a:solidFill>
+                  <a:schemeClr val="tx1"/>
+                </a:solidFill>
+                <a:latin typeface="Arial" panose="020B0604020202020204" pitchFamily="34" charset="0"/>
+                <a:ea typeface="+mn-ea"/>
+                <a:cs typeface="Arial" panose="020B0604020202020204" pitchFamily="34" charset="0"/>
+              </a:defRPr>
+            </a:lvl1pPr>
+            <a:lvl2pPr marL="625475" indent="-279400" algn="l" rtl="0" eaLnBrk="1" fontAlgn="base" hangingPunct="1">
+              <a:lnSpc>
+                <a:spcPct val="90000"/>
+              </a:lnSpc>
+              <a:spcBef>
+                <a:spcPts val="800"/>
+              </a:spcBef>
+              <a:spcAft>
+                <a:spcPct val="0"/>
+              </a:spcAft>
+              <a:buClr>
+                <a:schemeClr val="tx1"/>
+              </a:buClr>
+              <a:buFont typeface="Arial" charset="0"/>
+              <a:buChar char="–"/>
+              <a:defRPr sz="2000" kern="1200">
+                <a:solidFill>
+                  <a:schemeClr val="tx1"/>
+                </a:solidFill>
+                <a:latin typeface="Arial" panose="020B0604020202020204" pitchFamily="34" charset="0"/>
+                <a:ea typeface="+mn-ea"/>
+                <a:cs typeface="Arial" panose="020B0604020202020204" pitchFamily="34" charset="0"/>
+              </a:defRPr>
+            </a:lvl2pPr>
+            <a:lvl3pPr marL="914400" indent="-230188" algn="l" rtl="0" eaLnBrk="1" fontAlgn="base" hangingPunct="1">
+              <a:lnSpc>
+                <a:spcPct val="90000"/>
+              </a:lnSpc>
+              <a:spcBef>
+                <a:spcPts val="800"/>
+              </a:spcBef>
+              <a:spcAft>
+                <a:spcPct val="0"/>
+              </a:spcAft>
+              <a:buClr>
+                <a:schemeClr val="tx1"/>
+              </a:buClr>
+              <a:buFont typeface="Arial" charset="0"/>
+              <a:buChar char="•"/>
+              <a:defRPr sz="1800" kern="1200">
+                <a:solidFill>
+                  <a:schemeClr val="tx1"/>
+                </a:solidFill>
+                <a:latin typeface="Arial" panose="020B0604020202020204" pitchFamily="34" charset="0"/>
+                <a:ea typeface="+mn-ea"/>
+                <a:cs typeface="Arial" panose="020B0604020202020204" pitchFamily="34" charset="0"/>
+              </a:defRPr>
+            </a:lvl3pPr>
+            <a:lvl4pPr marL="1144588" indent="-173038" algn="l" rtl="0" eaLnBrk="1" fontAlgn="base" hangingPunct="1">
+              <a:lnSpc>
+                <a:spcPct val="90000"/>
+              </a:lnSpc>
+              <a:spcBef>
+                <a:spcPts val="800"/>
+              </a:spcBef>
+              <a:spcAft>
+                <a:spcPct val="0"/>
+              </a:spcAft>
+              <a:buClr>
+                <a:schemeClr val="tx1"/>
+              </a:buClr>
+              <a:buFont typeface="Arial" charset="0"/>
+              <a:buChar char="–"/>
+              <a:defRPr sz="1600" kern="1200">
+                <a:solidFill>
+                  <a:schemeClr val="tx1"/>
+                </a:solidFill>
+                <a:latin typeface="Arial" panose="020B0604020202020204" pitchFamily="34" charset="0"/>
+                <a:ea typeface="+mn-ea"/>
+                <a:cs typeface="Arial" panose="020B0604020202020204" pitchFamily="34" charset="0"/>
+              </a:defRPr>
+            </a:lvl4pPr>
+            <a:lvl5pPr marL="1482725" indent="-222250" algn="l" rtl="0" eaLnBrk="1" fontAlgn="base" hangingPunct="1">
+              <a:lnSpc>
+                <a:spcPct val="90000"/>
+              </a:lnSpc>
+              <a:spcBef>
+                <a:spcPts val="600"/>
+              </a:spcBef>
+              <a:spcAft>
+                <a:spcPct val="0"/>
+              </a:spcAft>
+              <a:buClr>
+                <a:schemeClr val="tx1"/>
+              </a:buClr>
+              <a:buFont typeface="Arial" panose="020B0604020202020204" pitchFamily="34" charset="0"/>
+              <a:buChar char="•"/>
+              <a:defRPr sz="1600" kern="1200">
+                <a:solidFill>
+                  <a:schemeClr val="tx1"/>
+                </a:solidFill>
+                <a:latin typeface="Arial" panose="020B0604020202020204" pitchFamily="34" charset="0"/>
+                <a:ea typeface="+mn-ea"/>
+                <a:cs typeface="Arial" panose="020B0604020202020204" pitchFamily="34" charset="0"/>
+              </a:defRPr>
+            </a:lvl5pPr>
+            <a:lvl6pPr marL="2514600" indent="-228600" algn="l" defTabSz="914400" rtl="0" eaLnBrk="1" latinLnBrk="0" hangingPunct="1">
+              <a:spcBef>
+                <a:spcPct val="20000"/>
+              </a:spcBef>
+              <a:buFont typeface="Arial" pitchFamily="34" charset="0"/>
+              <a:buChar char="•"/>
+              <a:defRPr sz="2000" kern="1200">
+                <a:solidFill>
+                  <a:schemeClr val="tx1"/>
+                </a:solidFill>
+                <a:latin typeface="+mn-lt"/>
+                <a:ea typeface="+mn-ea"/>
+                <a:cs typeface="+mn-cs"/>
+              </a:defRPr>
+            </a:lvl6pPr>
+            <a:lvl7pPr marL="2971800" indent="-228600" algn="l" defTabSz="914400" rtl="0" eaLnBrk="1" latinLnBrk="0" hangingPunct="1">
+              <a:spcBef>
+                <a:spcPct val="20000"/>
+              </a:spcBef>
+              <a:buFont typeface="Arial" pitchFamily="34" charset="0"/>
+              <a:buChar char="•"/>
+              <a:defRPr sz="2000" kern="1200">
+                <a:solidFill>
+                  <a:schemeClr val="tx1"/>
+                </a:solidFill>
+                <a:latin typeface="+mn-lt"/>
+                <a:ea typeface="+mn-ea"/>
+                <a:cs typeface="+mn-cs"/>
+              </a:defRPr>
+            </a:lvl7pPr>
+            <a:lvl8pPr marL="3429000" indent="-228600" algn="l" defTabSz="914400" rtl="0" eaLnBrk="1" latinLnBrk="0" hangingPunct="1">
+              <a:spcBef>
+                <a:spcPct val="20000"/>
+              </a:spcBef>
+              <a:buFont typeface="Arial" pitchFamily="34" charset="0"/>
+              <a:buChar char="•"/>
+              <a:defRPr sz="2000" kern="1200">
+                <a:solidFill>
+                  <a:schemeClr val="tx1"/>
+                </a:solidFill>
+                <a:latin typeface="+mn-lt"/>
+                <a:ea typeface="+mn-ea"/>
+                <a:cs typeface="+mn-cs"/>
+              </a:defRPr>
+            </a:lvl8pPr>
+            <a:lvl9pPr marL="3886200" indent="-228600" algn="l" defTabSz="914400" rtl="0" eaLnBrk="1" latinLnBrk="0" hangingPunct="1">
+              <a:spcBef>
+                <a:spcPct val="20000"/>
+              </a:spcBef>
+              <a:buFont typeface="Arial" pitchFamily="34" charset="0"/>
+              <a:buChar char="•"/>
+              <a:defRPr sz="2000" kern="1200">
+                <a:solidFill>
+                  <a:schemeClr val="tx1"/>
+                </a:solidFill>
+                <a:latin typeface="+mn-lt"/>
+                <a:ea typeface="+mn-ea"/>
+                <a:cs typeface="+mn-cs"/>
+              </a:defRPr>
+            </a:lvl9pPr>
+          </a:lstStyle>
+          <a:p>
+            <a:pPr marL="0" indent="0">
+              <a:buFont typeface="Arial" charset="0"/>
+              <a:buNone/>
+            </a:pPr>
+            <a:r>
+              <a:rPr lang="en-US">
+                <a:hlinkClick r:id="rId2"/>
+              </a:rPr>
+              <a:t>https://github.com/ECP-copa/Cabana</a:t>
+            </a:r>
+            <a:endParaRPr lang="en-US" dirty="0"/>
+          </a:p>
+        </p:txBody>
+      </p:sp>
+      <p:sp>
+        <p:nvSpPr>
+          <p:cNvPr id="6" name="Content Placeholder 5">
+            <a:extLst>
+              <a:ext uri="{FF2B5EF4-FFF2-40B4-BE49-F238E27FC236}">
+                <a16:creationId xmlns:a16="http://schemas.microsoft.com/office/drawing/2014/main" id="{B05BB5FA-9AA2-5625-5E9A-3534998DF885}"/>
               </a:ext>
             </a:extLst>
           </p:cNvPr>
@@ -39584,36 +39997,12 @@
             <p:ph idx="1"/>
           </p:nvPr>
         </p:nvSpPr>
-        <p:spPr>
-          <a:xfrm>
-            <a:off x="5689601" y="152827"/>
-            <a:ext cx="5537200" cy="609173"/>
-          </a:xfrm>
-        </p:spPr>
+        <p:spPr/>
         <p:txBody>
           <a:bodyPr/>
           <a:lstStyle/>
           <a:p>
-            <a:r>
-              <a:rPr lang="en-US" dirty="0"/>
-              <a:t>https://</a:t>
-            </a:r>
-            <a:r>
-              <a:rPr lang="en-US" dirty="0" err="1"/>
-              <a:t>github.com</a:t>
-            </a:r>
-            <a:r>
-              <a:rPr lang="en-US" dirty="0"/>
-              <a:t>/ECP-</a:t>
-            </a:r>
-            <a:r>
-              <a:rPr lang="en-US" dirty="0" err="1"/>
-              <a:t>copa</a:t>
-            </a:r>
-            <a:r>
-              <a:rPr lang="en-US" dirty="0"/>
-              <a:t>/Cabana</a:t>
-            </a:r>
+            <a:endParaRPr lang="en-US"/>
           </a:p>
         </p:txBody>
       </p:sp>
@@ -39845,7 +40234,7 @@
           <a:p>
             <a:r>
               <a:rPr lang="en-US" sz="2800" dirty="0"/>
-              <a:t>End Result: contrast two methods of testing.</a:t>
+              <a:t>End Result: contrast two methods of testing</a:t>
             </a:r>
             <a:endParaRPr lang="en-US" dirty="0"/>
           </a:p>
@@ -42115,7 +42504,7 @@
           <a:p>
             <a:r>
               <a:rPr lang="en-US" sz="2800" dirty="0"/>
-              <a:t>End Result: contrast two methods of testing.</a:t>
+              <a:t>End Result: contrast two methods of testing</a:t>
             </a:r>
             <a:endParaRPr lang="en-US" dirty="0"/>
           </a:p>
@@ -44740,7 +45129,7 @@
             </a:r>
             <a:r>
               <a:rPr lang="en-US" sz="2200" dirty="0"/>
-              <a:t> code is bad form.</a:t>
+              <a:t> code is bad form</a:t>
             </a:r>
           </a:p>
         </p:txBody>
@@ -48136,6 +48525,12 @@
 </file>
 
 <file path=customXml/item1.xml><?xml version="1.0" encoding="utf-8"?>
+<p:properties xmlns:p="http://schemas.microsoft.com/office/2006/metadata/properties" xmlns:xsi="http://www.w3.org/2001/XMLSchema-instance" xmlns:pc="http://schemas.microsoft.com/office/infopath/2007/PartnerControls">
+  <documentManagement/>
+</p:properties>
+</file>
+
+<file path=customXml/item2.xml><?xml version="1.0" encoding="utf-8"?>
 <?mso-contentType ?>
 <FormTemplates xmlns="http://schemas.microsoft.com/sharepoint/v3/contenttype/forms">
   <Display>DocumentLibraryForm</Display>
@@ -48144,7 +48539,7 @@
 </FormTemplates>
 </file>
 
-<file path=customXml/item2.xml><?xml version="1.0" encoding="utf-8"?>
+<file path=customXml/item3.xml><?xml version="1.0" encoding="utf-8"?>
 <ct:contentTypeSchema xmlns:ct="http://schemas.microsoft.com/office/2006/metadata/contentType" xmlns:ma="http://schemas.microsoft.com/office/2006/metadata/properties/metaAttributes" ct:_="" ma:_="" ma:contentTypeName="Document" ma:contentTypeID="0x010100565464437F680748A68B85EB6594EA7D" ma:contentTypeVersion="0" ma:contentTypeDescription="Create a new document." ma:contentTypeScope="" ma:versionID="fe3f4dd58d5914c51cfc6deaa8ad845c">
   <xsd:schema xmlns:xsd="http://www.w3.org/2001/XMLSchema" xmlns:p="http://schemas.microsoft.com/office/2006/metadata/properties" targetNamespace="http://schemas.microsoft.com/office/2006/metadata/properties" ma:root="true" ma:fieldsID="4aeb20c0e3442673af7ee10786458764">
     <xsd:element name="properties">
@@ -48193,13 +48588,22 @@
 </ct:contentTypeSchema>
 </file>
 
-<file path=customXml/item3.xml><?xml version="1.0" encoding="utf-8"?>
-<p:properties xmlns:p="http://schemas.microsoft.com/office/2006/metadata/properties" xmlns:xsi="http://www.w3.org/2001/XMLSchema-instance" xmlns:pc="http://schemas.microsoft.com/office/infopath/2007/PartnerControls">
-  <documentManagement/>
-</p:properties>
+<file path=customXml/itemProps1.xml><?xml version="1.0" encoding="utf-8"?>
+<ds:datastoreItem xmlns:ds="http://schemas.openxmlformats.org/officeDocument/2006/customXml" ds:itemID="{A50EC660-24D0-43A0-AE5E-E274115E726B}">
+  <ds:schemaRefs>
+    <ds:schemaRef ds:uri="http://purl.org/dc/elements/1.1/"/>
+    <ds:schemaRef ds:uri="http://schemas.microsoft.com/office/2006/metadata/properties"/>
+    <ds:schemaRef ds:uri="http://purl.org/dc/terms/"/>
+    <ds:schemaRef ds:uri="http://schemas.openxmlformats.org/package/2006/metadata/core-properties"/>
+    <ds:schemaRef ds:uri="http://schemas.microsoft.com/office/2006/documentManagement/types"/>
+    <ds:schemaRef ds:uri="http://www.w3.org/XML/1998/namespace"/>
+    <ds:schemaRef ds:uri="http://purl.org/dc/dcmitype/"/>
+    <ds:schemaRef ds:uri="http://schemas.microsoft.com/office/infopath/2007/PartnerControls"/>
+  </ds:schemaRefs>
+</ds:datastoreItem>
 </file>
 
-<file path=customXml/itemProps1.xml><?xml version="1.0" encoding="utf-8"?>
+<file path=customXml/itemProps2.xml><?xml version="1.0" encoding="utf-8"?>
 <ds:datastoreItem xmlns:ds="http://schemas.openxmlformats.org/officeDocument/2006/customXml" ds:itemID="{19E20559-B232-4371-8690-E3D8007EDB82}">
   <ds:schemaRefs>
     <ds:schemaRef ds:uri="http://schemas.microsoft.com/sharepoint/v3/contenttype/forms"/>
@@ -48207,7 +48611,7 @@
 </ds:datastoreItem>
 </file>
 
-<file path=customXml/itemProps2.xml><?xml version="1.0" encoding="utf-8"?>
+<file path=customXml/itemProps3.xml><?xml version="1.0" encoding="utf-8"?>
 <ds:datastoreItem xmlns:ds="http://schemas.openxmlformats.org/officeDocument/2006/customXml" ds:itemID="{E8DB7DEB-074E-4EE8-9B6E-FD277323109C}">
   <ds:schemaRefs>
     <ds:schemaRef ds:uri="http://schemas.microsoft.com/office/2006/metadata/contentType"/>
@@ -48220,19 +48624,4 @@
     <ds:schemaRef ds:uri="http://schemas.microsoft.com/office/internal/2005/internalDocumentation"/>
   </ds:schemaRefs>
 </ds:datastoreItem>
-</file>
-
-<file path=customXml/itemProps3.xml><?xml version="1.0" encoding="utf-8"?>
-<ds:datastoreItem xmlns:ds="http://schemas.openxmlformats.org/officeDocument/2006/customXml" ds:itemID="{A50EC660-24D0-43A0-AE5E-E274115E726B}">
-  <ds:schemaRefs>
-    <ds:schemaRef ds:uri="http://purl.org/dc/elements/1.1/"/>
-    <ds:schemaRef ds:uri="http://schemas.microsoft.com/office/2006/metadata/properties"/>
-    <ds:schemaRef ds:uri="http://purl.org/dc/terms/"/>
-    <ds:schemaRef ds:uri="http://schemas.openxmlformats.org/package/2006/metadata/core-properties"/>
-    <ds:schemaRef ds:uri="http://schemas.microsoft.com/office/2006/documentManagement/types"/>
-    <ds:schemaRef ds:uri="http://www.w3.org/XML/1998/namespace"/>
-    <ds:schemaRef ds:uri="http://purl.org/dc/dcmitype/"/>
-    <ds:schemaRef ds:uri="http://schemas.microsoft.com/office/infopath/2007/PartnerControls"/>
-  </ds:schemaRefs>
-</ds:datastoreItem>
 </file>
--- a/packaging-short.pptx
+++ b/packaging-short.pptx
@@ -23166,7 +23166,7 @@
               </a:lnSpc>
             </a:pPr>
             <a:r>
-              <a:rPr lang="en-US" dirty="0" err="1">
+              <a:rPr lang="en-US" dirty="0">
                 <a:hlinkClick r:id="rId4"/>
               </a:rPr>
               <a:t>pyscaffold.org</a:t>
@@ -25067,18 +25067,30 @@
             </a:r>
             <a:r>
               <a:rPr lang="en-US" sz="1400" dirty="0"/>
-              <a:t>(see https://python-</a:t>
-            </a:r>
-            <a:r>
-              <a:rPr lang="en-US" sz="1400" dirty="0" err="1"/>
+              <a:t>(see </a:t>
+            </a:r>
+            <a:r>
+              <a:rPr lang="en-US" sz="1400" dirty="0">
+                <a:hlinkClick r:id="rId2"/>
+              </a:rPr>
+              <a:t>https://python-</a:t>
+            </a:r>
+            <a:r>
+              <a:rPr lang="en-US" sz="1400" dirty="0" err="1">
+                <a:hlinkClick r:id="rId2"/>
+              </a:rPr>
               <a:t>poetry.org</a:t>
             </a:r>
             <a:r>
-              <a:rPr lang="en-US" sz="1400" dirty="0"/>
+              <a:rPr lang="en-US" sz="1400" dirty="0">
+                <a:hlinkClick r:id="rId2"/>
+              </a:rPr>
               <a:t>/docs/</a:t>
             </a:r>
             <a:r>
-              <a:rPr lang="en-US" sz="1400" dirty="0" err="1"/>
+              <a:rPr lang="en-US" sz="1400" dirty="0" err="1">
+                <a:hlinkClick r:id="rId2"/>
+              </a:rPr>
               <a:t>pyproject</a:t>
             </a:r>
             <a:r>
@@ -30275,7 +30287,7 @@
           <a:lstStyle/>
           <a:p>
             <a:r>
-              <a:rPr lang="en-US" dirty="0" err="1">
+              <a:rPr lang="en-US" dirty="0">
                 <a:solidFill>
                   <a:schemeClr val="accent1">
                     <a:lumMod val="75000"/>
@@ -30284,13 +30296,6 @@
               </a:rPr>
               <a:t>spack.readthedocs.io</a:t>
             </a:r>
-            <a:endParaRPr lang="en-US" dirty="0">
-              <a:solidFill>
-                <a:schemeClr val="accent1">
-                  <a:lumMod val="75000"/>
-                </a:schemeClr>
-              </a:solidFill>
-            </a:endParaRPr>
           </a:p>
         </p:txBody>
       </p:sp>
@@ -31983,73 +31988,7 @@
               <a:rPr lang="en-US" sz="1600" dirty="0">
                 <a:hlinkClick r:id="rId4"/>
               </a:rPr>
-              <a:t>https://</a:t>
-            </a:r>
-            <a:r>
-              <a:rPr lang="en-US" sz="1600" dirty="0" err="1">
-                <a:hlinkClick r:id="rId4"/>
-              </a:rPr>
-              <a:t>github.com</a:t>
-            </a:r>
-            <a:r>
-              <a:rPr lang="en-US" sz="1600" dirty="0">
-                <a:hlinkClick r:id="rId4"/>
-              </a:rPr>
-              <a:t>/</a:t>
-            </a:r>
-            <a:r>
-              <a:rPr lang="en-US" sz="1600" dirty="0" err="1">
-                <a:hlinkClick r:id="rId4"/>
-              </a:rPr>
-              <a:t>mpbelhorn</a:t>
-            </a:r>
-            <a:r>
-              <a:rPr lang="en-US" sz="1600" dirty="0">
-                <a:hlinkClick r:id="rId4"/>
-              </a:rPr>
-              <a:t>/</a:t>
-            </a:r>
-            <a:r>
-              <a:rPr lang="en-US" sz="1600" dirty="0" err="1">
-                <a:hlinkClick r:id="rId4"/>
-              </a:rPr>
-              <a:t>olcf</a:t>
-            </a:r>
-            <a:r>
-              <a:rPr lang="en-US" sz="1600" dirty="0">
-                <a:hlinkClick r:id="rId4"/>
-              </a:rPr>
-              <a:t>-</a:t>
-            </a:r>
-            <a:r>
-              <a:rPr lang="en-US" sz="1600" dirty="0" err="1">
-                <a:hlinkClick r:id="rId4"/>
-              </a:rPr>
-              <a:t>spack</a:t>
-            </a:r>
-            <a:r>
-              <a:rPr lang="en-US" sz="1600" dirty="0">
-                <a:hlinkClick r:id="rId4"/>
-              </a:rPr>
-              <a:t>-environments/blob/develop/hosts/frontier/</a:t>
-            </a:r>
-            <a:r>
-              <a:rPr lang="en-US" sz="1600" dirty="0" err="1">
-                <a:hlinkClick r:id="rId4"/>
-              </a:rPr>
-              <a:t>envs</a:t>
-            </a:r>
-            <a:r>
-              <a:rPr lang="en-US" sz="1600" dirty="0">
-                <a:hlinkClick r:id="rId4"/>
-              </a:rPr>
-              <a:t>/base/</a:t>
-            </a:r>
-            <a:r>
-              <a:rPr lang="en-US" sz="1600" dirty="0" err="1">
-                <a:hlinkClick r:id="rId4"/>
-              </a:rPr>
-              <a:t>spack.yaml</a:t>
+              <a:t>https://github.com/mpbelhorn/olcf-spack-environments/blob/develop/hosts/frontier/envs/base/spack.yaml</a:t>
             </a:r>
             <a:endParaRPr lang="en-US" sz="1600" dirty="0"/>
           </a:p>
@@ -48525,21 +48464,6 @@
 </file>
 
 <file path=customXml/item1.xml><?xml version="1.0" encoding="utf-8"?>
-<p:properties xmlns:p="http://schemas.microsoft.com/office/2006/metadata/properties" xmlns:xsi="http://www.w3.org/2001/XMLSchema-instance" xmlns:pc="http://schemas.microsoft.com/office/infopath/2007/PartnerControls">
-  <documentManagement/>
-</p:properties>
-</file>
-
-<file path=customXml/item2.xml><?xml version="1.0" encoding="utf-8"?>
-<?mso-contentType ?>
-<FormTemplates xmlns="http://schemas.microsoft.com/sharepoint/v3/contenttype/forms">
-  <Display>DocumentLibraryForm</Display>
-  <Edit>DocumentLibraryForm</Edit>
-  <New>DocumentLibraryForm</New>
-</FormTemplates>
-</file>
-
-<file path=customXml/item3.xml><?xml version="1.0" encoding="utf-8"?>
 <ct:contentTypeSchema xmlns:ct="http://schemas.microsoft.com/office/2006/metadata/contentType" xmlns:ma="http://schemas.microsoft.com/office/2006/metadata/properties/metaAttributes" ct:_="" ma:_="" ma:contentTypeName="Document" ma:contentTypeID="0x010100565464437F680748A68B85EB6594EA7D" ma:contentTypeVersion="0" ma:contentTypeDescription="Create a new document." ma:contentTypeScope="" ma:versionID="fe3f4dd58d5914c51cfc6deaa8ad845c">
   <xsd:schema xmlns:xsd="http://www.w3.org/2001/XMLSchema" xmlns:p="http://schemas.microsoft.com/office/2006/metadata/properties" targetNamespace="http://schemas.microsoft.com/office/2006/metadata/properties" ma:root="true" ma:fieldsID="4aeb20c0e3442673af7ee10786458764">
     <xsd:element name="properties">
@@ -48588,7 +48512,37 @@
 </ct:contentTypeSchema>
 </file>
 
+<file path=customXml/item2.xml><?xml version="1.0" encoding="utf-8"?>
+<p:properties xmlns:p="http://schemas.microsoft.com/office/2006/metadata/properties" xmlns:xsi="http://www.w3.org/2001/XMLSchema-instance" xmlns:pc="http://schemas.microsoft.com/office/infopath/2007/PartnerControls">
+  <documentManagement/>
+</p:properties>
+</file>
+
+<file path=customXml/item3.xml><?xml version="1.0" encoding="utf-8"?>
+<?mso-contentType ?>
+<FormTemplates xmlns="http://schemas.microsoft.com/sharepoint/v3/contenttype/forms">
+  <Display>DocumentLibraryForm</Display>
+  <Edit>DocumentLibraryForm</Edit>
+  <New>DocumentLibraryForm</New>
+</FormTemplates>
+</file>
+
 <file path=customXml/itemProps1.xml><?xml version="1.0" encoding="utf-8"?>
+<ds:datastoreItem xmlns:ds="http://schemas.openxmlformats.org/officeDocument/2006/customXml" ds:itemID="{E8DB7DEB-074E-4EE8-9B6E-FD277323109C}">
+  <ds:schemaRefs>
+    <ds:schemaRef ds:uri="http://schemas.microsoft.com/office/2006/metadata/contentType"/>
+    <ds:schemaRef ds:uri="http://schemas.microsoft.com/office/2006/metadata/properties/metaAttributes"/>
+    <ds:schemaRef ds:uri="http://www.w3.org/2001/XMLSchema"/>
+    <ds:schemaRef ds:uri="http://schemas.microsoft.com/office/2006/metadata/properties"/>
+    <ds:schemaRef ds:uri="http://schemas.openxmlformats.org/package/2006/metadata/core-properties"/>
+    <ds:schemaRef ds:uri="http://purl.org/dc/elements/1.1/"/>
+    <ds:schemaRef ds:uri="http://purl.org/dc/terms/"/>
+    <ds:schemaRef ds:uri="http://schemas.microsoft.com/office/internal/2005/internalDocumentation"/>
+  </ds:schemaRefs>
+</ds:datastoreItem>
+</file>
+
+<file path=customXml/itemProps2.xml><?xml version="1.0" encoding="utf-8"?>
 <ds:datastoreItem xmlns:ds="http://schemas.openxmlformats.org/officeDocument/2006/customXml" ds:itemID="{A50EC660-24D0-43A0-AE5E-E274115E726B}">
   <ds:schemaRefs>
     <ds:schemaRef ds:uri="http://purl.org/dc/elements/1.1/"/>
@@ -48603,25 +48557,10 @@
 </ds:datastoreItem>
 </file>
 
-<file path=customXml/itemProps2.xml><?xml version="1.0" encoding="utf-8"?>
+<file path=customXml/itemProps3.xml><?xml version="1.0" encoding="utf-8"?>
 <ds:datastoreItem xmlns:ds="http://schemas.openxmlformats.org/officeDocument/2006/customXml" ds:itemID="{19E20559-B232-4371-8690-E3D8007EDB82}">
   <ds:schemaRefs>
     <ds:schemaRef ds:uri="http://schemas.microsoft.com/sharepoint/v3/contenttype/forms"/>
   </ds:schemaRefs>
 </ds:datastoreItem>
-</file>
-
-<file path=customXml/itemProps3.xml><?xml version="1.0" encoding="utf-8"?>
-<ds:datastoreItem xmlns:ds="http://schemas.openxmlformats.org/officeDocument/2006/customXml" ds:itemID="{E8DB7DEB-074E-4EE8-9B6E-FD277323109C}">
-  <ds:schemaRefs>
-    <ds:schemaRef ds:uri="http://schemas.microsoft.com/office/2006/metadata/contentType"/>
-    <ds:schemaRef ds:uri="http://schemas.microsoft.com/office/2006/metadata/properties/metaAttributes"/>
-    <ds:schemaRef ds:uri="http://www.w3.org/2001/XMLSchema"/>
-    <ds:schemaRef ds:uri="http://schemas.microsoft.com/office/2006/metadata/properties"/>
-    <ds:schemaRef ds:uri="http://schemas.openxmlformats.org/package/2006/metadata/core-properties"/>
-    <ds:schemaRef ds:uri="http://purl.org/dc/elements/1.1/"/>
-    <ds:schemaRef ds:uri="http://purl.org/dc/terms/"/>
-    <ds:schemaRef ds:uri="http://schemas.microsoft.com/office/internal/2005/internalDocumentation"/>
-  </ds:schemaRefs>
-</ds:datastoreItem>
 </file>
--- a/packaging-short.pptx
+++ b/packaging-short.pptx
@@ -322,7 +322,7 @@
           <a:p>
             <a:fld id="{0B842F42-2CE9-4E35-95C1-410DC08A50B1}" type="datetimeFigureOut">
               <a:rPr lang="en-US" smtClean="0"/>
-              <a:t>4/15/2023</a:t>
+              <a:t>5/5/23</a:t>
             </a:fld>
             <a:endParaRPr lang="en-US"/>
           </a:p>
@@ -487,7 +487,7 @@
           <a:p>
             <a:fld id="{6F282904-F315-4730-8D91-37D99E141A6F}" type="datetimeFigureOut">
               <a:rPr lang="en-US" smtClean="0"/>
-              <a:t>4/15/2023</a:t>
+              <a:t>5/5/23</a:t>
             </a:fld>
             <a:endParaRPr lang="en-US"/>
           </a:p>
@@ -6399,7 +6399,7 @@
             </a:br>
             <a:r>
               <a:rPr lang="en-US" sz="2400" dirty="0"/>
-              <a:t>@ Improving Scientific Software conference (2023)</a:t>
+              <a:t>@ ISC-HPC (2023)</a:t>
             </a:r>
           </a:p>
           <a:p>
@@ -6410,8 +6410,21 @@
             </a:pPr>
             <a:r>
               <a:rPr lang="en-US" sz="2400" dirty="0"/>
-              <a:t>Contributors: David M. Rogers (ORNL)</a:t>
-            </a:r>
+              <a:t>Contributors</a:t>
+            </a:r>
+            <a:r>
+              <a:rPr lang="en-US" dirty="0"/>
+              <a:t>:</a:t>
+            </a:r>
+            <a:r>
+              <a:rPr lang="en-US" sz="2400" dirty="0"/>
+              <a:t> David M. Rogers (ORNL), </a:t>
+            </a:r>
+            <a:r>
+              <a:rPr lang="en-US" sz="2400"/>
+              <a:t>IDEAS-ECP Team</a:t>
+            </a:r>
+            <a:endParaRPr lang="en-US" sz="2400" dirty="0"/>
           </a:p>
         </p:txBody>
       </p:sp>
@@ -48464,6 +48477,15 @@
 </file>
 
 <file path=customXml/item1.xml><?xml version="1.0" encoding="utf-8"?>
+<?mso-contentType ?>
+<FormTemplates xmlns="http://schemas.microsoft.com/sharepoint/v3/contenttype/forms">
+  <Display>DocumentLibraryForm</Display>
+  <Edit>DocumentLibraryForm</Edit>
+  <New>DocumentLibraryForm</New>
+</FormTemplates>
+</file>
+
+<file path=customXml/item2.xml><?xml version="1.0" encoding="utf-8"?>
 <ct:contentTypeSchema xmlns:ct="http://schemas.microsoft.com/office/2006/metadata/contentType" xmlns:ma="http://schemas.microsoft.com/office/2006/metadata/properties/metaAttributes" ct:_="" ma:_="" ma:contentTypeName="Document" ma:contentTypeID="0x010100565464437F680748A68B85EB6594EA7D" ma:contentTypeVersion="0" ma:contentTypeDescription="Create a new document." ma:contentTypeScope="" ma:versionID="fe3f4dd58d5914c51cfc6deaa8ad845c">
   <xsd:schema xmlns:xsd="http://www.w3.org/2001/XMLSchema" xmlns:p="http://schemas.microsoft.com/office/2006/metadata/properties" targetNamespace="http://schemas.microsoft.com/office/2006/metadata/properties" ma:root="true" ma:fieldsID="4aeb20c0e3442673af7ee10786458764">
     <xsd:element name="properties">
@@ -48512,22 +48534,21 @@
 </ct:contentTypeSchema>
 </file>
 
-<file path=customXml/item2.xml><?xml version="1.0" encoding="utf-8"?>
+<file path=customXml/item3.xml><?xml version="1.0" encoding="utf-8"?>
 <p:properties xmlns:p="http://schemas.microsoft.com/office/2006/metadata/properties" xmlns:xsi="http://www.w3.org/2001/XMLSchema-instance" xmlns:pc="http://schemas.microsoft.com/office/infopath/2007/PartnerControls">
   <documentManagement/>
 </p:properties>
 </file>
 
-<file path=customXml/item3.xml><?xml version="1.0" encoding="utf-8"?>
-<?mso-contentType ?>
-<FormTemplates xmlns="http://schemas.microsoft.com/sharepoint/v3/contenttype/forms">
-  <Display>DocumentLibraryForm</Display>
-  <Edit>DocumentLibraryForm</Edit>
-  <New>DocumentLibraryForm</New>
-</FormTemplates>
+<file path=customXml/itemProps1.xml><?xml version="1.0" encoding="utf-8"?>
+<ds:datastoreItem xmlns:ds="http://schemas.openxmlformats.org/officeDocument/2006/customXml" ds:itemID="{19E20559-B232-4371-8690-E3D8007EDB82}">
+  <ds:schemaRefs>
+    <ds:schemaRef ds:uri="http://schemas.microsoft.com/sharepoint/v3/contenttype/forms"/>
+  </ds:schemaRefs>
+</ds:datastoreItem>
 </file>
 
-<file path=customXml/itemProps1.xml><?xml version="1.0" encoding="utf-8"?>
+<file path=customXml/itemProps2.xml><?xml version="1.0" encoding="utf-8"?>
 <ds:datastoreItem xmlns:ds="http://schemas.openxmlformats.org/officeDocument/2006/customXml" ds:itemID="{E8DB7DEB-074E-4EE8-9B6E-FD277323109C}">
   <ds:schemaRefs>
     <ds:schemaRef ds:uri="http://schemas.microsoft.com/office/2006/metadata/contentType"/>
@@ -48542,7 +48563,7 @@
 </ds:datastoreItem>
 </file>
 
-<file path=customXml/itemProps2.xml><?xml version="1.0" encoding="utf-8"?>
+<file path=customXml/itemProps3.xml><?xml version="1.0" encoding="utf-8"?>
 <ds:datastoreItem xmlns:ds="http://schemas.openxmlformats.org/officeDocument/2006/customXml" ds:itemID="{A50EC660-24D0-43A0-AE5E-E274115E726B}">
   <ds:schemaRefs>
     <ds:schemaRef ds:uri="http://purl.org/dc/elements/1.1/"/>
@@ -48555,12 +48576,4 @@
     <ds:schemaRef ds:uri="http://schemas.microsoft.com/office/infopath/2007/PartnerControls"/>
   </ds:schemaRefs>
 </ds:datastoreItem>
-</file>
-
-<file path=customXml/itemProps3.xml><?xml version="1.0" encoding="utf-8"?>
-<ds:datastoreItem xmlns:ds="http://schemas.openxmlformats.org/officeDocument/2006/customXml" ds:itemID="{19E20559-B232-4371-8690-E3D8007EDB82}">
-  <ds:schemaRefs>
-    <ds:schemaRef ds:uri="http://schemas.microsoft.com/sharepoint/v3/contenttype/forms"/>
-  </ds:schemaRefs>
-</ds:datastoreItem>
 </file>
--- a/packaging-short.pptx
+++ b/packaging-short.pptx
@@ -12,7 +12,7 @@
   </p:handoutMasterIdLst>
   <p:sldIdLst>
     <p:sldId id="1866" r:id="rId5"/>
-    <p:sldId id="320" r:id="rId6"/>
+    <p:sldId id="1867" r:id="rId6"/>
     <p:sldId id="653" r:id="rId7"/>
     <p:sldId id="660" r:id="rId8"/>
     <p:sldId id="661" r:id="rId9"/>
@@ -322,7 +322,7 @@
           <a:p>
             <a:fld id="{0B842F42-2CE9-4E35-95C1-410DC08A50B1}" type="datetimeFigureOut">
               <a:rPr lang="en-US" smtClean="0"/>
-              <a:t>5/5/23</a:t>
+              <a:t>5/9/2023</a:t>
             </a:fld>
             <a:endParaRPr lang="en-US"/>
           </a:p>
@@ -487,7 +487,7 @@
           <a:p>
             <a:fld id="{6F282904-F315-4730-8D91-37D99E141A6F}" type="datetimeFigureOut">
               <a:rPr lang="en-US" smtClean="0"/>
-              <a:t>5/5/23</a:t>
+              <a:t>5/9/2023</a:t>
             </a:fld>
             <a:endParaRPr lang="en-US"/>
           </a:p>
@@ -6391,15 +6391,8 @@
               </a:spcBef>
             </a:pPr>
             <a:r>
-              <a:rPr lang="en-US" sz="2400" dirty="0"/>
-              <a:t>Better Scientific Software tutorial </a:t>
-            </a:r>
-            <a:br>
-              <a:rPr lang="en-US" sz="2400" dirty="0"/>
-            </a:br>
-            <a:r>
-              <a:rPr lang="en-US" sz="2400" dirty="0"/>
-              <a:t>@ ISC-HPC (2023)</a:t>
+              <a:rPr lang="en-US" sz="2000" dirty="0"/>
+              <a:t>Better Scientific Software tutorial @ ISC23</a:t>
             </a:r>
           </a:p>
           <a:p>
@@ -6418,13 +6411,8 @@
             </a:r>
             <a:r>
               <a:rPr lang="en-US" sz="2400" dirty="0"/>
-              <a:t> David M. Rogers (ORNL), </a:t>
-            </a:r>
-            <a:r>
-              <a:rPr lang="en-US" sz="2400"/>
-              <a:t>IDEAS-ECP Team</a:t>
-            </a:r>
-            <a:endParaRPr lang="en-US" sz="2400" dirty="0"/>
+              <a:t> David M. Rogers (ORNL), IDEAS-ECP Team</a:t>
+            </a:r>
           </a:p>
         </p:txBody>
       </p:sp>
@@ -14091,10 +14079,10 @@
                 <a:effectLst/>
                 <a:latin typeface="+mn-lt"/>
               </a:rPr>
-              <a:t>David E. Bernholdt, Patricia A. Grubel, and David M. Rogers, Better Scientific Software tutorial, in Improving Scientific Software, Boulder, Colorado and online, 2023. DOI: </a:t>
-            </a:r>
-            <a:r>
-              <a:rPr lang="en-US" sz="1600" b="0" i="0" dirty="0">
+              <a:t>Anshu Dubey and David M. Rogers, Better Scientific Software tutorial, in ISC High Performance, Hamburg, Germany and online, 2023. DOI: </a:t>
+            </a:r>
+            <a:r>
+              <a:rPr lang="en-US" sz="1600" b="0" i="0" u="sng" dirty="0">
                 <a:solidFill>
                   <a:srgbClr val="111111"/>
                 </a:solidFill>
@@ -14102,18 +14090,36 @@
                 <a:latin typeface="+mn-lt"/>
                 <a:hlinkClick r:id="rId4"/>
               </a:rPr>
-              <a:t>10.6084/m9.figshare.22179748</a:t>
-            </a:r>
-            <a:r>
-              <a:rPr lang="en-US" sz="1600" b="0" i="0" dirty="0">
+              <a:t>10.6084/m9.figshare</a:t>
+            </a:r>
+            <a:r>
+              <a:rPr lang="en-US" sz="1600" b="0" i="0" u="sng">
                 <a:solidFill>
                   <a:srgbClr val="111111"/>
                 </a:solidFill>
                 <a:effectLst/>
                 <a:latin typeface="+mn-lt"/>
+                <a:hlinkClick r:id="rId4"/>
+              </a:rPr>
+              <a:t>.22790762</a:t>
+            </a:r>
+            <a:r>
+              <a:rPr lang="en-US" sz="1600" b="0" i="0">
+                <a:solidFill>
+                  <a:srgbClr val="111111"/>
+                </a:solidFill>
+                <a:effectLst/>
+                <a:latin typeface="+mn-lt"/>
               </a:rPr>
               <a:t>.</a:t>
             </a:r>
+            <a:endParaRPr lang="en-US" sz="1600" b="0" i="0" dirty="0">
+              <a:solidFill>
+                <a:srgbClr val="111111"/>
+              </a:solidFill>
+              <a:effectLst/>
+              <a:latin typeface="+mn-lt"/>
+            </a:endParaRPr>
           </a:p>
           <a:p>
             <a:pPr>
@@ -14283,7 +14289,7 @@
     </p:spTree>
     <p:extLst>
       <p:ext uri="{BB962C8B-B14F-4D97-AF65-F5344CB8AC3E}">
-        <p14:creationId xmlns:p14="http://schemas.microsoft.com/office/powerpoint/2010/main" val="978726433"/>
+        <p14:creationId xmlns:p14="http://schemas.microsoft.com/office/powerpoint/2010/main" val="1673631694"/>
       </p:ext>
     </p:extLst>
   </p:cSld>
@@ -48477,15 +48483,6 @@
 </file>
 
 <file path=customXml/item1.xml><?xml version="1.0" encoding="utf-8"?>
-<?mso-contentType ?>
-<FormTemplates xmlns="http://schemas.microsoft.com/sharepoint/v3/contenttype/forms">
-  <Display>DocumentLibraryForm</Display>
-  <Edit>DocumentLibraryForm</Edit>
-  <New>DocumentLibraryForm</New>
-</FormTemplates>
-</file>
-
-<file path=customXml/item2.xml><?xml version="1.0" encoding="utf-8"?>
 <ct:contentTypeSchema xmlns:ct="http://schemas.microsoft.com/office/2006/metadata/contentType" xmlns:ma="http://schemas.microsoft.com/office/2006/metadata/properties/metaAttributes" ct:_="" ma:_="" ma:contentTypeName="Document" ma:contentTypeID="0x010100565464437F680748A68B85EB6594EA7D" ma:contentTypeVersion="0" ma:contentTypeDescription="Create a new document." ma:contentTypeScope="" ma:versionID="fe3f4dd58d5914c51cfc6deaa8ad845c">
   <xsd:schema xmlns:xsd="http://www.w3.org/2001/XMLSchema" xmlns:p="http://schemas.microsoft.com/office/2006/metadata/properties" targetNamespace="http://schemas.microsoft.com/office/2006/metadata/properties" ma:root="true" ma:fieldsID="4aeb20c0e3442673af7ee10786458764">
     <xsd:element name="properties">
@@ -48534,21 +48531,22 @@
 </ct:contentTypeSchema>
 </file>
 
-<file path=customXml/item3.xml><?xml version="1.0" encoding="utf-8"?>
+<file path=customXml/item2.xml><?xml version="1.0" encoding="utf-8"?>
 <p:properties xmlns:p="http://schemas.microsoft.com/office/2006/metadata/properties" xmlns:xsi="http://www.w3.org/2001/XMLSchema-instance" xmlns:pc="http://schemas.microsoft.com/office/infopath/2007/PartnerControls">
   <documentManagement/>
 </p:properties>
 </file>
 
-<file path=customXml/itemProps1.xml><?xml version="1.0" encoding="utf-8"?>
-<ds:datastoreItem xmlns:ds="http://schemas.openxmlformats.org/officeDocument/2006/customXml" ds:itemID="{19E20559-B232-4371-8690-E3D8007EDB82}">
-  <ds:schemaRefs>
-    <ds:schemaRef ds:uri="http://schemas.microsoft.com/sharepoint/v3/contenttype/forms"/>
-  </ds:schemaRefs>
-</ds:datastoreItem>
+<file path=customXml/item3.xml><?xml version="1.0" encoding="utf-8"?>
+<?mso-contentType ?>
+<FormTemplates xmlns="http://schemas.microsoft.com/sharepoint/v3/contenttype/forms">
+  <Display>DocumentLibraryForm</Display>
+  <Edit>DocumentLibraryForm</Edit>
+  <New>DocumentLibraryForm</New>
+</FormTemplates>
 </file>
 
-<file path=customXml/itemProps2.xml><?xml version="1.0" encoding="utf-8"?>
+<file path=customXml/itemProps1.xml><?xml version="1.0" encoding="utf-8"?>
 <ds:datastoreItem xmlns:ds="http://schemas.openxmlformats.org/officeDocument/2006/customXml" ds:itemID="{E8DB7DEB-074E-4EE8-9B6E-FD277323109C}">
   <ds:schemaRefs>
     <ds:schemaRef ds:uri="http://schemas.microsoft.com/office/2006/metadata/contentType"/>
@@ -48563,7 +48561,7 @@
 </ds:datastoreItem>
 </file>
 
-<file path=customXml/itemProps3.xml><?xml version="1.0" encoding="utf-8"?>
+<file path=customXml/itemProps2.xml><?xml version="1.0" encoding="utf-8"?>
 <ds:datastoreItem xmlns:ds="http://schemas.openxmlformats.org/officeDocument/2006/customXml" ds:itemID="{A50EC660-24D0-43A0-AE5E-E274115E726B}">
   <ds:schemaRefs>
     <ds:schemaRef ds:uri="http://purl.org/dc/elements/1.1/"/>
@@ -48576,4 +48574,12 @@
     <ds:schemaRef ds:uri="http://schemas.microsoft.com/office/infopath/2007/PartnerControls"/>
   </ds:schemaRefs>
 </ds:datastoreItem>
+</file>
+
+<file path=customXml/itemProps3.xml><?xml version="1.0" encoding="utf-8"?>
+<ds:datastoreItem xmlns:ds="http://schemas.openxmlformats.org/officeDocument/2006/customXml" ds:itemID="{19E20559-B232-4371-8690-E3D8007EDB82}">
+  <ds:schemaRefs>
+    <ds:schemaRef ds:uri="http://schemas.microsoft.com/sharepoint/v3/contenttype/forms"/>
+  </ds:schemaRefs>
+</ds:datastoreItem>
 </file>
--- a/packaging-short.pptx
+++ b/packaging-short.pptx
@@ -322,7 +322,7 @@
           <a:p>
             <a:fld id="{0B842F42-2CE9-4E35-95C1-410DC08A50B1}" type="datetimeFigureOut">
               <a:rPr lang="en-US" smtClean="0"/>
-              <a:t>5/9/2023</a:t>
+              <a:t>5/23/23</a:t>
             </a:fld>
             <a:endParaRPr lang="en-US"/>
           </a:p>
@@ -487,7 +487,7 @@
           <a:p>
             <a:fld id="{6F282904-F315-4730-8D91-37D99E141A6F}" type="datetimeFigureOut">
               <a:rPr lang="en-US" smtClean="0"/>
-              <a:t>5/9/2023</a:t>
+              <a:t>5/23/23</a:t>
             </a:fld>
             <a:endParaRPr lang="en-US"/>
           </a:p>
@@ -9754,7 +9754,29 @@
                 <a:ea typeface="Menlo" panose="020B0609030804020204" pitchFamily="49" charset="0"/>
                 <a:cs typeface="Menlo" panose="020B0609030804020204" pitchFamily="49" charset="0"/>
               </a:rPr>
-              <a:t>(&lt;package name&gt;)</a:t>
+              <a:t>(</a:t>
+            </a:r>
+            <a:r>
+              <a:rPr lang="en-US" dirty="0" err="1">
+                <a:solidFill>
+                  <a:schemeClr val="bg1"/>
+                </a:solidFill>
+                <a:latin typeface="Menlo" panose="020B0609030804020204" pitchFamily="49" charset="0"/>
+                <a:ea typeface="Menlo" panose="020B0609030804020204" pitchFamily="49" charset="0"/>
+                <a:cs typeface="Menlo" panose="020B0609030804020204" pitchFamily="49" charset="0"/>
+              </a:rPr>
+              <a:t>HeatEq</a:t>
+            </a:r>
+            <a:r>
+              <a:rPr lang="en-US" dirty="0">
+                <a:solidFill>
+                  <a:schemeClr val="bg1"/>
+                </a:solidFill>
+                <a:latin typeface="Menlo" panose="020B0609030804020204" pitchFamily="49" charset="0"/>
+                <a:ea typeface="Menlo" panose="020B0609030804020204" pitchFamily="49" charset="0"/>
+                <a:cs typeface="Menlo" panose="020B0609030804020204" pitchFamily="49" charset="0"/>
+              </a:rPr>
+              <a:t>)</a:t>
             </a:r>
           </a:p>
         </p:txBody>
@@ -10299,6 +10321,140 @@
                 <a:cs typeface="Menlo" panose="020B0609030804020204" pitchFamily="49" charset="0"/>
               </a:rPr>
               <a:t> cruft</a:t>
+            </a:r>
+          </a:p>
+        </p:txBody>
+      </p:sp>
+      <p:sp>
+        <p:nvSpPr>
+          <p:cNvPr id="4" name="Rectangle 3">
+            <a:extLst>
+              <a:ext uri="{FF2B5EF4-FFF2-40B4-BE49-F238E27FC236}">
+                <a16:creationId xmlns:a16="http://schemas.microsoft.com/office/drawing/2014/main" id="{F6FA38CA-242F-D069-DBC9-12BCA52FD198}"/>
+              </a:ext>
+            </a:extLst>
+          </p:cNvPr>
+          <p:cNvSpPr/>
+          <p:nvPr/>
+        </p:nvSpPr>
+        <p:spPr>
+          <a:xfrm>
+            <a:off x="6094412" y="4688899"/>
+            <a:ext cx="5913695" cy="923330"/>
+          </a:xfrm>
+          <a:prstGeom prst="rect">
+            <a:avLst/>
+          </a:prstGeom>
+          <a:solidFill>
+            <a:schemeClr val="tx1">
+              <a:lumMod val="75000"/>
+              <a:lumOff val="25000"/>
+            </a:schemeClr>
+          </a:solidFill>
+        </p:spPr>
+        <p:txBody>
+          <a:bodyPr wrap="square">
+            <a:spAutoFit/>
+          </a:bodyPr>
+          <a:lstStyle/>
+          <a:p>
+            <a:r>
+              <a:rPr lang="en-US" dirty="0">
+                <a:solidFill>
+                  <a:schemeClr val="tx2">
+                    <a:lumMod val="40000"/>
+                    <a:lumOff val="60000"/>
+                  </a:schemeClr>
+                </a:solidFill>
+                <a:latin typeface="Menlo" panose="020B0609030804020204" pitchFamily="49" charset="0"/>
+                <a:ea typeface="Menlo" panose="020B0609030804020204" pitchFamily="49" charset="0"/>
+                <a:cs typeface="Menlo" panose="020B0609030804020204" pitchFamily="49" charset="0"/>
+              </a:rPr>
+              <a:t># Downstream Dependency </a:t>
+            </a:r>
+            <a:r>
+              <a:rPr lang="en-US" dirty="0" err="1">
+                <a:solidFill>
+                  <a:schemeClr val="tx2">
+                    <a:lumMod val="40000"/>
+                    <a:lumOff val="60000"/>
+                  </a:schemeClr>
+                </a:solidFill>
+                <a:latin typeface="Menlo" panose="020B0609030804020204" pitchFamily="49" charset="0"/>
+                <a:ea typeface="Menlo" panose="020B0609030804020204" pitchFamily="49" charset="0"/>
+                <a:cs typeface="Menlo" panose="020B0609030804020204" pitchFamily="49" charset="0"/>
+              </a:rPr>
+              <a:t>CMakeLists.txt</a:t>
+            </a:r>
+            <a:endParaRPr lang="en-US" dirty="0">
+              <a:solidFill>
+                <a:schemeClr val="tx2">
+                  <a:lumMod val="40000"/>
+                  <a:lumOff val="60000"/>
+                </a:schemeClr>
+              </a:solidFill>
+              <a:latin typeface="Menlo" panose="020B0609030804020204" pitchFamily="49" charset="0"/>
+              <a:ea typeface="Menlo" panose="020B0609030804020204" pitchFamily="49" charset="0"/>
+              <a:cs typeface="Menlo" panose="020B0609030804020204" pitchFamily="49" charset="0"/>
+            </a:endParaRPr>
+          </a:p>
+          <a:p>
+            <a:endParaRPr lang="en-US" dirty="0">
+              <a:solidFill>
+                <a:schemeClr val="bg1"/>
+              </a:solidFill>
+              <a:latin typeface="Menlo" panose="020B0609030804020204" pitchFamily="49" charset="0"/>
+              <a:ea typeface="Menlo" panose="020B0609030804020204" pitchFamily="49" charset="0"/>
+              <a:cs typeface="Menlo" panose="020B0609030804020204" pitchFamily="49" charset="0"/>
+            </a:endParaRPr>
+          </a:p>
+          <a:p>
+            <a:r>
+              <a:rPr lang="en-US" dirty="0" err="1">
+                <a:solidFill>
+                  <a:schemeClr val="tx2">
+                    <a:lumMod val="40000"/>
+                    <a:lumOff val="60000"/>
+                  </a:schemeClr>
+                </a:solidFill>
+                <a:latin typeface="Menlo" panose="020B0609030804020204" pitchFamily="49" charset="0"/>
+                <a:ea typeface="Menlo" panose="020B0609030804020204" pitchFamily="49" charset="0"/>
+                <a:cs typeface="Menlo" panose="020B0609030804020204" pitchFamily="49" charset="0"/>
+              </a:rPr>
+              <a:t>find_package</a:t>
+            </a:r>
+            <a:r>
+              <a:rPr lang="en-US" dirty="0">
+                <a:solidFill>
+                  <a:schemeClr val="bg1"/>
+                </a:solidFill>
+                <a:latin typeface="Menlo" panose="020B0609030804020204" pitchFamily="49" charset="0"/>
+                <a:ea typeface="Menlo" panose="020B0609030804020204" pitchFamily="49" charset="0"/>
+                <a:cs typeface="Menlo" panose="020B0609030804020204" pitchFamily="49" charset="0"/>
+              </a:rPr>
+              <a:t>(</a:t>
+            </a:r>
+            <a:r>
+              <a:rPr lang="en-US" dirty="0" err="1">
+                <a:solidFill>
+                  <a:schemeClr val="bg1"/>
+                </a:solidFill>
+                <a:latin typeface="Menlo" panose="020B0609030804020204" pitchFamily="49" charset="0"/>
+                <a:ea typeface="Menlo" panose="020B0609030804020204" pitchFamily="49" charset="0"/>
+                <a:cs typeface="Menlo" panose="020B0609030804020204" pitchFamily="49" charset="0"/>
+              </a:rPr>
+              <a:t>HeatEq</a:t>
+            </a:r>
+            <a:r>
+              <a:rPr lang="en-US" dirty="0">
+                <a:solidFill>
+                  <a:schemeClr val="bg1"/>
+                </a:solidFill>
+                <a:latin typeface="Menlo" panose="020B0609030804020204" pitchFamily="49" charset="0"/>
+                <a:ea typeface="Menlo" panose="020B0609030804020204" pitchFamily="49" charset="0"/>
+                <a:cs typeface="Menlo" panose="020B0609030804020204" pitchFamily="49" charset="0"/>
+              </a:rPr>
+              <a:t> 1.0)</a:t>
             </a:r>
           </a:p>
         </p:txBody>
@@ -11011,7 +11167,7 @@
         <p:spPr>
           <a:xfrm>
             <a:off x="6094412" y="1641874"/>
-            <a:ext cx="5643820" cy="3416320"/>
+            <a:ext cx="5643820" cy="3139321"/>
           </a:xfrm>
           <a:prstGeom prst="rect">
             <a:avLst/>
@@ -11112,6 +11268,47 @@
             <a:r>
               <a:rPr lang="en-US" dirty="0">
                 <a:solidFill>
+                  <a:schemeClr val="accent1">
+                    <a:lumMod val="40000"/>
+                    <a:lumOff val="60000"/>
+                  </a:schemeClr>
+                </a:solidFill>
+                <a:latin typeface="Menlo" panose="020B0609030804020204" pitchFamily="49" charset="0"/>
+                <a:ea typeface="Menlo" panose="020B0609030804020204" pitchFamily="49" charset="0"/>
+                <a:cs typeface="Menlo" panose="020B0609030804020204" pitchFamily="49" charset="0"/>
+              </a:rPr>
+              <a:t>   11  </a:t>
+            </a:r>
+            <a:r>
+              <a:rPr lang="en-US" dirty="0" err="1">
+                <a:solidFill>
+                  <a:schemeClr val="accent1">
+                    <a:lumMod val="40000"/>
+                    <a:lumOff val="60000"/>
+                  </a:schemeClr>
+                </a:solidFill>
+                <a:latin typeface="Menlo" panose="020B0609030804020204" pitchFamily="49" charset="0"/>
+                <a:ea typeface="Menlo" panose="020B0609030804020204" pitchFamily="49" charset="0"/>
+                <a:cs typeface="Menlo" panose="020B0609030804020204" pitchFamily="49" charset="0"/>
+              </a:rPr>
+              <a:t>Config.cmake.in</a:t>
+            </a:r>
+            <a:endParaRPr lang="en-US" dirty="0">
+              <a:solidFill>
+                <a:schemeClr val="accent1">
+                  <a:lumMod val="40000"/>
+                  <a:lumOff val="60000"/>
+                </a:schemeClr>
+              </a:solidFill>
+              <a:latin typeface="Menlo" panose="020B0609030804020204" pitchFamily="49" charset="0"/>
+              <a:ea typeface="Menlo" panose="020B0609030804020204" pitchFamily="49" charset="0"/>
+              <a:cs typeface="Menlo" panose="020B0609030804020204" pitchFamily="49" charset="0"/>
+            </a:endParaRPr>
+          </a:p>
+          <a:p>
+            <a:r>
+              <a:rPr lang="en-US" dirty="0">
+                <a:solidFill>
                   <a:schemeClr val="bg1">
                     <a:lumMod val="95000"/>
                   </a:schemeClr>
@@ -11240,63 +11437,6 @@
               <a:solidFill>
                 <a:schemeClr val="bg1">
                   <a:lumMod val="95000"/>
-                </a:schemeClr>
-              </a:solidFill>
-              <a:latin typeface="Menlo" panose="020B0609030804020204" pitchFamily="49" charset="0"/>
-              <a:ea typeface="Menlo" panose="020B0609030804020204" pitchFamily="49" charset="0"/>
-              <a:cs typeface="Menlo" panose="020B0609030804020204" pitchFamily="49" charset="0"/>
-            </a:endParaRPr>
-          </a:p>
-          <a:p>
-            <a:r>
-              <a:rPr lang="en-US" dirty="0">
-                <a:solidFill>
-                  <a:schemeClr val="accent1">
-                    <a:lumMod val="40000"/>
-                    <a:lumOff val="60000"/>
-                  </a:schemeClr>
-                </a:solidFill>
-                <a:latin typeface="Menlo" panose="020B0609030804020204" pitchFamily="49" charset="0"/>
-                <a:ea typeface="Menlo" panose="020B0609030804020204" pitchFamily="49" charset="0"/>
-                <a:cs typeface="Menlo" panose="020B0609030804020204" pitchFamily="49" charset="0"/>
-              </a:rPr>
-              <a:t>   --&gt; tests/</a:t>
-            </a:r>
-          </a:p>
-          <a:p>
-            <a:r>
-              <a:rPr lang="en-US" dirty="0">
-                <a:solidFill>
-                  <a:schemeClr val="accent1">
-                    <a:lumMod val="40000"/>
-                    <a:lumOff val="60000"/>
-                  </a:schemeClr>
-                </a:solidFill>
-                <a:latin typeface="Menlo" panose="020B0609030804020204" pitchFamily="49" charset="0"/>
-                <a:ea typeface="Menlo" panose="020B0609030804020204" pitchFamily="49" charset="0"/>
-                <a:cs typeface="Menlo" panose="020B0609030804020204" pitchFamily="49" charset="0"/>
-              </a:rPr>
-              <a:t>          30     </a:t>
-            </a:r>
-            <a:r>
-              <a:rPr lang="en-US" dirty="0" err="1">
-                <a:solidFill>
-                  <a:schemeClr val="accent1">
-                    <a:lumMod val="40000"/>
-                    <a:lumOff val="60000"/>
-                  </a:schemeClr>
-                </a:solidFill>
-                <a:latin typeface="Menlo" panose="020B0609030804020204" pitchFamily="49" charset="0"/>
-                <a:ea typeface="Menlo" panose="020B0609030804020204" pitchFamily="49" charset="0"/>
-                <a:cs typeface="Menlo" panose="020B0609030804020204" pitchFamily="49" charset="0"/>
-              </a:rPr>
-              <a:t>test_heat.sh</a:t>
-            </a:r>
-            <a:endParaRPr lang="en-US" dirty="0">
-              <a:solidFill>
-                <a:schemeClr val="accent1">
-                  <a:lumMod val="40000"/>
-                  <a:lumOff val="60000"/>
                 </a:schemeClr>
               </a:solidFill>
               <a:latin typeface="Menlo" panose="020B0609030804020204" pitchFamily="49" charset="0"/>
@@ -11674,15 +11814,7 @@
             </a:r>
             <a:r>
               <a:rPr lang="en-US" dirty="0"/>
-              <a:t>" and "</a:t>
-            </a:r>
-            <a:r>
-              <a:rPr lang="en-US" dirty="0" err="1"/>
-              <a:t>ctest</a:t>
-            </a:r>
-            <a:r>
-              <a:rPr lang="en-US" dirty="0"/>
-              <a:t>" commands</a:t>
+              <a:t>" use for downstream dependencies</a:t>
             </a:r>
           </a:p>
           <a:p>
@@ -48483,6 +48615,15 @@
 </file>
 
 <file path=customXml/item1.xml><?xml version="1.0" encoding="utf-8"?>
+<?mso-contentType ?>
+<FormTemplates xmlns="http://schemas.microsoft.com/sharepoint/v3/contenttype/forms">
+  <Display>DocumentLibraryForm</Display>
+  <Edit>DocumentLibraryForm</Edit>
+  <New>DocumentLibraryForm</New>
+</FormTemplates>
+</file>
+
+<file path=customXml/item2.xml><?xml version="1.0" encoding="utf-8"?>
 <ct:contentTypeSchema xmlns:ct="http://schemas.microsoft.com/office/2006/metadata/contentType" xmlns:ma="http://schemas.microsoft.com/office/2006/metadata/properties/metaAttributes" ct:_="" ma:_="" ma:contentTypeName="Document" ma:contentTypeID="0x010100565464437F680748A68B85EB6594EA7D" ma:contentTypeVersion="0" ma:contentTypeDescription="Create a new document." ma:contentTypeScope="" ma:versionID="fe3f4dd58d5914c51cfc6deaa8ad845c">
   <xsd:schema xmlns:xsd="http://www.w3.org/2001/XMLSchema" xmlns:p="http://schemas.microsoft.com/office/2006/metadata/properties" targetNamespace="http://schemas.microsoft.com/office/2006/metadata/properties" ma:root="true" ma:fieldsID="4aeb20c0e3442673af7ee10786458764">
     <xsd:element name="properties">
@@ -48531,22 +48672,21 @@
 </ct:contentTypeSchema>
 </file>
 
-<file path=customXml/item2.xml><?xml version="1.0" encoding="utf-8"?>
+<file path=customXml/item3.xml><?xml version="1.0" encoding="utf-8"?>
 <p:properties xmlns:p="http://schemas.microsoft.com/office/2006/metadata/properties" xmlns:xsi="http://www.w3.org/2001/XMLSchema-instance" xmlns:pc="http://schemas.microsoft.com/office/infopath/2007/PartnerControls">
   <documentManagement/>
 </p:properties>
 </file>
 
-<file path=customXml/item3.xml><?xml version="1.0" encoding="utf-8"?>
-<?mso-contentType ?>
-<FormTemplates xmlns="http://schemas.microsoft.com/sharepoint/v3/contenttype/forms">
-  <Display>DocumentLibraryForm</Display>
-  <Edit>DocumentLibraryForm</Edit>
-  <New>DocumentLibraryForm</New>
-</FormTemplates>
+<file path=customXml/itemProps1.xml><?xml version="1.0" encoding="utf-8"?>
+<ds:datastoreItem xmlns:ds="http://schemas.openxmlformats.org/officeDocument/2006/customXml" ds:itemID="{19E20559-B232-4371-8690-E3D8007EDB82}">
+  <ds:schemaRefs>
+    <ds:schemaRef ds:uri="http://schemas.microsoft.com/sharepoint/v3/contenttype/forms"/>
+  </ds:schemaRefs>
+</ds:datastoreItem>
 </file>
 
-<file path=customXml/itemProps1.xml><?xml version="1.0" encoding="utf-8"?>
+<file path=customXml/itemProps2.xml><?xml version="1.0" encoding="utf-8"?>
 <ds:datastoreItem xmlns:ds="http://schemas.openxmlformats.org/officeDocument/2006/customXml" ds:itemID="{E8DB7DEB-074E-4EE8-9B6E-FD277323109C}">
   <ds:schemaRefs>
     <ds:schemaRef ds:uri="http://schemas.microsoft.com/office/2006/metadata/contentType"/>
@@ -48561,7 +48701,7 @@
 </ds:datastoreItem>
 </file>
 
-<file path=customXml/itemProps2.xml><?xml version="1.0" encoding="utf-8"?>
+<file path=customXml/itemProps3.xml><?xml version="1.0" encoding="utf-8"?>
 <ds:datastoreItem xmlns:ds="http://schemas.openxmlformats.org/officeDocument/2006/customXml" ds:itemID="{A50EC660-24D0-43A0-AE5E-E274115E726B}">
   <ds:schemaRefs>
     <ds:schemaRef ds:uri="http://purl.org/dc/elements/1.1/"/>
@@ -48574,12 +48714,4 @@
     <ds:schemaRef ds:uri="http://schemas.microsoft.com/office/infopath/2007/PartnerControls"/>
   </ds:schemaRefs>
 </ds:datastoreItem>
-</file>
-
-<file path=customXml/itemProps3.xml><?xml version="1.0" encoding="utf-8"?>
-<ds:datastoreItem xmlns:ds="http://schemas.openxmlformats.org/officeDocument/2006/customXml" ds:itemID="{19E20559-B232-4371-8690-E3D8007EDB82}">
-  <ds:schemaRefs>
-    <ds:schemaRef ds:uri="http://schemas.microsoft.com/sharepoint/v3/contenttype/forms"/>
-  </ds:schemaRefs>
-</ds:datastoreItem>
 </file>